--- a/2025/2025-04-11-AI-Updates.pptx
+++ b/2025/2025-04-11-AI-Updates.pptx
@@ -980,7 +980,7 @@
   <p:cSld>
     <p:spTree>
       <p:nvGrpSpPr>
-        <p:cNvPr id="1" name="Shape 145"/>
+        <p:cNvPr id="1" name="Shape 148"/>
         <p:cNvGrpSpPr/>
         <p:nvPr/>
       </p:nvGrpSpPr>
@@ -994,7 +994,7 @@
       </p:grpSpPr>
       <p:sp>
         <p:nvSpPr>
-          <p:cNvPr id="146" name="Google Shape;146;g304e15145a2_1_77:notes"/>
+          <p:cNvPr id="149" name="Google Shape;149;g304e15145a2_1_77:notes"/>
           <p:cNvSpPr>
             <a:spLocks noGrp="1" noRot="1" noChangeAspect="1"/>
           </p:cNvSpPr>
@@ -1045,7 +1045,7 @@
       </p:sp>
       <p:sp>
         <p:nvSpPr>
-          <p:cNvPr id="147" name="Google Shape;147;g304e15145a2_1_77:notes"/>
+          <p:cNvPr id="150" name="Google Shape;150;g304e15145a2_1_77:notes"/>
           <p:cNvSpPr txBox="1">
             <a:spLocks noGrp="1"/>
           </p:cNvSpPr>
@@ -1102,7 +1102,7 @@
   <p:cSld>
     <p:spTree>
       <p:nvGrpSpPr>
-        <p:cNvPr id="1" name="Shape 159"/>
+        <p:cNvPr id="1" name="Shape 162"/>
         <p:cNvGrpSpPr/>
         <p:nvPr/>
       </p:nvGrpSpPr>
@@ -1116,7 +1116,7 @@
       </p:grpSpPr>
       <p:sp>
         <p:nvSpPr>
-          <p:cNvPr id="160" name="Google Shape;160;g304e15145a2_1_90:notes"/>
+          <p:cNvPr id="163" name="Google Shape;163;g304e15145a2_1_90:notes"/>
           <p:cNvSpPr>
             <a:spLocks noGrp="1" noRot="1" noChangeAspect="1"/>
           </p:cNvSpPr>
@@ -1167,7 +1167,7 @@
       </p:sp>
       <p:sp>
         <p:nvSpPr>
-          <p:cNvPr id="161" name="Google Shape;161;g304e15145a2_1_90:notes"/>
+          <p:cNvPr id="164" name="Google Shape;164;g304e15145a2_1_90:notes"/>
           <p:cNvSpPr txBox="1">
             <a:spLocks noGrp="1"/>
           </p:cNvSpPr>
@@ -1224,7 +1224,7 @@
   <p:cSld>
     <p:spTree>
       <p:nvGrpSpPr>
-        <p:cNvPr id="1" name="Shape 168"/>
+        <p:cNvPr id="1" name="Shape 171"/>
         <p:cNvGrpSpPr/>
         <p:nvPr/>
       </p:nvGrpSpPr>
@@ -1238,7 +1238,7 @@
       </p:grpSpPr>
       <p:sp>
         <p:nvSpPr>
-          <p:cNvPr id="169" name="Google Shape;169;g304e15145a2_1_98:notes"/>
+          <p:cNvPr id="172" name="Google Shape;172;g304e15145a2_1_98:notes"/>
           <p:cNvSpPr>
             <a:spLocks noGrp="1" noRot="1" noChangeAspect="1"/>
           </p:cNvSpPr>
@@ -1289,7 +1289,7 @@
       </p:sp>
       <p:sp>
         <p:nvSpPr>
-          <p:cNvPr id="170" name="Google Shape;170;g304e15145a2_1_98:notes"/>
+          <p:cNvPr id="173" name="Google Shape;173;g304e15145a2_1_98:notes"/>
           <p:cNvSpPr txBox="1">
             <a:spLocks noGrp="1"/>
           </p:cNvSpPr>
@@ -1346,7 +1346,7 @@
   <p:cSld>
     <p:spTree>
       <p:nvGrpSpPr>
-        <p:cNvPr id="1" name="Shape 177"/>
+        <p:cNvPr id="1" name="Shape 180"/>
         <p:cNvGrpSpPr/>
         <p:nvPr/>
       </p:nvGrpSpPr>
@@ -1360,7 +1360,7 @@
       </p:grpSpPr>
       <p:sp>
         <p:nvSpPr>
-          <p:cNvPr id="178" name="Google Shape;178;g304e15145a2_1_106:notes"/>
+          <p:cNvPr id="181" name="Google Shape;181;g304e15145a2_1_106:notes"/>
           <p:cNvSpPr>
             <a:spLocks noGrp="1" noRot="1" noChangeAspect="1"/>
           </p:cNvSpPr>
@@ -1411,7 +1411,7 @@
       </p:sp>
       <p:sp>
         <p:nvSpPr>
-          <p:cNvPr id="179" name="Google Shape;179;g304e15145a2_1_106:notes"/>
+          <p:cNvPr id="182" name="Google Shape;182;g304e15145a2_1_106:notes"/>
           <p:cNvSpPr txBox="1">
             <a:spLocks noGrp="1"/>
           </p:cNvSpPr>
@@ -1468,7 +1468,7 @@
   <p:cSld>
     <p:spTree>
       <p:nvGrpSpPr>
-        <p:cNvPr id="1" name="Shape 186"/>
+        <p:cNvPr id="1" name="Shape 189"/>
         <p:cNvGrpSpPr/>
         <p:nvPr/>
       </p:nvGrpSpPr>
@@ -1482,7 +1482,7 @@
       </p:grpSpPr>
       <p:sp>
         <p:nvSpPr>
-          <p:cNvPr id="187" name="Google Shape;187;g304e15145a2_1_114:notes"/>
+          <p:cNvPr id="190" name="Google Shape;190;g304e15145a2_1_114:notes"/>
           <p:cNvSpPr>
             <a:spLocks noGrp="1" noRot="1" noChangeAspect="1"/>
           </p:cNvSpPr>
@@ -1533,7 +1533,7 @@
       </p:sp>
       <p:sp>
         <p:nvSpPr>
-          <p:cNvPr id="188" name="Google Shape;188;g304e15145a2_1_114:notes"/>
+          <p:cNvPr id="191" name="Google Shape;191;g304e15145a2_1_114:notes"/>
           <p:cNvSpPr txBox="1">
             <a:spLocks noGrp="1"/>
           </p:cNvSpPr>
@@ -1590,7 +1590,7 @@
   <p:cSld>
     <p:spTree>
       <p:nvGrpSpPr>
-        <p:cNvPr id="1" name="Shape 195"/>
+        <p:cNvPr id="1" name="Shape 198"/>
         <p:cNvGrpSpPr/>
         <p:nvPr/>
       </p:nvGrpSpPr>
@@ -1604,7 +1604,7 @@
       </p:grpSpPr>
       <p:sp>
         <p:nvSpPr>
-          <p:cNvPr id="196" name="Google Shape;196;g304e15145a2_1_122:notes"/>
+          <p:cNvPr id="199" name="Google Shape;199;g304e15145a2_1_122:notes"/>
           <p:cNvSpPr>
             <a:spLocks noGrp="1" noRot="1" noChangeAspect="1"/>
           </p:cNvSpPr>
@@ -1655,7 +1655,7 @@
       </p:sp>
       <p:sp>
         <p:nvSpPr>
-          <p:cNvPr id="197" name="Google Shape;197;g304e15145a2_1_122:notes"/>
+          <p:cNvPr id="200" name="Google Shape;200;g304e15145a2_1_122:notes"/>
           <p:cNvSpPr txBox="1">
             <a:spLocks noGrp="1"/>
           </p:cNvSpPr>
@@ -1712,7 +1712,7 @@
   <p:cSld>
     <p:spTree>
       <p:nvGrpSpPr>
-        <p:cNvPr id="1" name="Shape 206"/>
+        <p:cNvPr id="1" name="Shape 211"/>
         <p:cNvGrpSpPr/>
         <p:nvPr/>
       </p:nvGrpSpPr>
@@ -1726,7 +1726,7 @@
       </p:grpSpPr>
       <p:sp>
         <p:nvSpPr>
-          <p:cNvPr id="207" name="Google Shape;207;g304e15145a2_1_307:notes"/>
+          <p:cNvPr id="212" name="Google Shape;212;g304e15145a2_1_307:notes"/>
           <p:cNvSpPr>
             <a:spLocks noGrp="1" noRot="1" noChangeAspect="1"/>
           </p:cNvSpPr>
@@ -1777,7 +1777,7 @@
       </p:sp>
       <p:sp>
         <p:nvSpPr>
-          <p:cNvPr id="208" name="Google Shape;208;g304e15145a2_1_307:notes"/>
+          <p:cNvPr id="213" name="Google Shape;213;g304e15145a2_1_307:notes"/>
           <p:cNvSpPr txBox="1">
             <a:spLocks noGrp="1"/>
           </p:cNvSpPr>
@@ -1834,7 +1834,7 @@
   <p:cSld>
     <p:spTree>
       <p:nvGrpSpPr>
-        <p:cNvPr id="1" name="Shape 217"/>
+        <p:cNvPr id="1" name="Shape 222"/>
         <p:cNvGrpSpPr/>
         <p:nvPr/>
       </p:nvGrpSpPr>
@@ -1848,7 +1848,7 @@
       </p:grpSpPr>
       <p:sp>
         <p:nvSpPr>
-          <p:cNvPr id="218" name="Google Shape;218;g304e15145a2_2_3:notes"/>
+          <p:cNvPr id="223" name="Google Shape;223;g304e15145a2_2_3:notes"/>
           <p:cNvSpPr>
             <a:spLocks noGrp="1" noRot="1" noChangeAspect="1"/>
           </p:cNvSpPr>
@@ -1899,7 +1899,7 @@
       </p:sp>
       <p:sp>
         <p:nvSpPr>
-          <p:cNvPr id="219" name="Google Shape;219;g304e15145a2_2_3:notes"/>
+          <p:cNvPr id="224" name="Google Shape;224;g304e15145a2_2_3:notes"/>
           <p:cNvSpPr txBox="1">
             <a:spLocks noGrp="1"/>
           </p:cNvSpPr>
@@ -1956,7 +1956,7 @@
   <p:cSld>
     <p:spTree>
       <p:nvGrpSpPr>
-        <p:cNvPr id="1" name="Shape 226"/>
+        <p:cNvPr id="1" name="Shape 234"/>
         <p:cNvGrpSpPr/>
         <p:nvPr/>
       </p:nvGrpSpPr>
@@ -1970,7 +1970,7 @@
       </p:grpSpPr>
       <p:sp>
         <p:nvSpPr>
-          <p:cNvPr id="227" name="Google Shape;227;g304e15145a2_1_130:notes"/>
+          <p:cNvPr id="235" name="Google Shape;235;g304e15145a2_1_130:notes"/>
           <p:cNvSpPr>
             <a:spLocks noGrp="1" noRot="1" noChangeAspect="1"/>
           </p:cNvSpPr>
@@ -2021,7 +2021,7 @@
       </p:sp>
       <p:sp>
         <p:nvSpPr>
-          <p:cNvPr id="228" name="Google Shape;228;g304e15145a2_1_130:notes"/>
+          <p:cNvPr id="236" name="Google Shape;236;g304e15145a2_1_130:notes"/>
           <p:cNvSpPr txBox="1">
             <a:spLocks noGrp="1"/>
           </p:cNvSpPr>
@@ -2078,7 +2078,7 @@
   <p:cSld>
     <p:spTree>
       <p:nvGrpSpPr>
-        <p:cNvPr id="1" name="Shape 233"/>
+        <p:cNvPr id="1" name="Shape 241"/>
         <p:cNvGrpSpPr/>
         <p:nvPr/>
       </p:nvGrpSpPr>
@@ -2092,7 +2092,7 @@
       </p:grpSpPr>
       <p:sp>
         <p:nvSpPr>
-          <p:cNvPr id="234" name="Google Shape;234;g304e15145a2_1_136:notes"/>
+          <p:cNvPr id="242" name="Google Shape;242;g304e15145a2_1_136:notes"/>
           <p:cNvSpPr>
             <a:spLocks noGrp="1" noRot="1" noChangeAspect="1"/>
           </p:cNvSpPr>
@@ -2143,7 +2143,7 @@
       </p:sp>
       <p:sp>
         <p:nvSpPr>
-          <p:cNvPr id="235" name="Google Shape;235;g304e15145a2_1_136:notes"/>
+          <p:cNvPr id="243" name="Google Shape;243;g304e15145a2_1_136:notes"/>
           <p:cNvSpPr txBox="1">
             <a:spLocks noGrp="1"/>
           </p:cNvSpPr>
@@ -2200,7 +2200,7 @@
   <p:cSld>
     <p:spTree>
       <p:nvGrpSpPr>
-        <p:cNvPr id="1" name="Shape 69"/>
+        <p:cNvPr id="1" name="Shape 70"/>
         <p:cNvGrpSpPr/>
         <p:nvPr/>
       </p:nvGrpSpPr>
@@ -2214,7 +2214,7 @@
       </p:grpSpPr>
       <p:sp>
         <p:nvSpPr>
-          <p:cNvPr id="70" name="Google Shape;70;g304e15145a2_1_12:notes"/>
+          <p:cNvPr id="71" name="Google Shape;71;g304e15145a2_1_12:notes"/>
           <p:cNvSpPr>
             <a:spLocks noGrp="1" noRot="1" noChangeAspect="1"/>
           </p:cNvSpPr>
@@ -2265,7 +2265,7 @@
       </p:sp>
       <p:sp>
         <p:nvSpPr>
-          <p:cNvPr id="71" name="Google Shape;71;g304e15145a2_1_12:notes"/>
+          <p:cNvPr id="72" name="Google Shape;72;g304e15145a2_1_12:notes"/>
           <p:cNvSpPr txBox="1">
             <a:spLocks noGrp="1"/>
           </p:cNvSpPr>
@@ -2322,7 +2322,7 @@
   <p:cSld>
     <p:spTree>
       <p:nvGrpSpPr>
-        <p:cNvPr id="1" name="Shape 297"/>
+        <p:cNvPr id="1" name="Shape 305"/>
         <p:cNvGrpSpPr/>
         <p:nvPr/>
       </p:nvGrpSpPr>
@@ -2336,7 +2336,7 @@
       </p:grpSpPr>
       <p:sp>
         <p:nvSpPr>
-          <p:cNvPr id="298" name="Google Shape;298;g34c7c326bb1_0_9:notes"/>
+          <p:cNvPr id="306" name="Google Shape;306;g34c7c326bb1_0_9:notes"/>
           <p:cNvSpPr>
             <a:spLocks noGrp="1" noRot="1" noChangeAspect="1"/>
           </p:cNvSpPr>
@@ -2377,7 +2377,7 @@
       </p:sp>
       <p:sp>
         <p:nvSpPr>
-          <p:cNvPr id="299" name="Google Shape;299;g34c7c326bb1_0_9:notes"/>
+          <p:cNvPr id="307" name="Google Shape;307;g34c7c326bb1_0_9:notes"/>
           <p:cNvSpPr txBox="1">
             <a:spLocks noGrp="1"/>
           </p:cNvSpPr>
@@ -2426,7 +2426,7 @@
   <p:cSld>
     <p:spTree>
       <p:nvGrpSpPr>
-        <p:cNvPr id="1" name="Shape 304"/>
+        <p:cNvPr id="1" name="Shape 313"/>
         <p:cNvGrpSpPr/>
         <p:nvPr/>
       </p:nvGrpSpPr>
@@ -2440,7 +2440,7 @@
       </p:grpSpPr>
       <p:sp>
         <p:nvSpPr>
-          <p:cNvPr id="305" name="Google Shape;305;g304e15145a2_1_236:notes"/>
+          <p:cNvPr id="314" name="Google Shape;314;g304e15145a2_1_236:notes"/>
           <p:cNvSpPr>
             <a:spLocks noGrp="1" noRot="1" noChangeAspect="1"/>
           </p:cNvSpPr>
@@ -2491,7 +2491,7 @@
       </p:sp>
       <p:sp>
         <p:nvSpPr>
-          <p:cNvPr id="306" name="Google Shape;306;g304e15145a2_1_236:notes"/>
+          <p:cNvPr id="315" name="Google Shape;315;g304e15145a2_1_236:notes"/>
           <p:cNvSpPr txBox="1">
             <a:spLocks noGrp="1"/>
           </p:cNvSpPr>
@@ -2548,7 +2548,7 @@
   <p:cSld>
     <p:spTree>
       <p:nvGrpSpPr>
-        <p:cNvPr id="1" name="Shape 314"/>
+        <p:cNvPr id="1" name="Shape 323"/>
         <p:cNvGrpSpPr/>
         <p:nvPr/>
       </p:nvGrpSpPr>
@@ -2562,7 +2562,7 @@
       </p:grpSpPr>
       <p:sp>
         <p:nvSpPr>
-          <p:cNvPr id="315" name="Google Shape;315;g304e15145a2_1_245:notes"/>
+          <p:cNvPr id="324" name="Google Shape;324;g304e15145a2_1_245:notes"/>
           <p:cNvSpPr>
             <a:spLocks noGrp="1" noRot="1" noChangeAspect="1"/>
           </p:cNvSpPr>
@@ -2613,7 +2613,7 @@
       </p:sp>
       <p:sp>
         <p:nvSpPr>
-          <p:cNvPr id="316" name="Google Shape;316;g304e15145a2_1_245:notes"/>
+          <p:cNvPr id="325" name="Google Shape;325;g304e15145a2_1_245:notes"/>
           <p:cNvSpPr txBox="1">
             <a:spLocks noGrp="1"/>
           </p:cNvSpPr>
@@ -2670,7 +2670,7 @@
   <p:cSld>
     <p:spTree>
       <p:nvGrpSpPr>
-        <p:cNvPr id="1" name="Shape 78"/>
+        <p:cNvPr id="1" name="Shape 79"/>
         <p:cNvGrpSpPr/>
         <p:nvPr/>
       </p:nvGrpSpPr>
@@ -2684,7 +2684,7 @@
       </p:grpSpPr>
       <p:sp>
         <p:nvSpPr>
-          <p:cNvPr id="79" name="Google Shape;79;g304e15145a2_1_20:notes"/>
+          <p:cNvPr id="80" name="Google Shape;80;g304e15145a2_1_20:notes"/>
           <p:cNvSpPr>
             <a:spLocks noGrp="1" noRot="1" noChangeAspect="1"/>
           </p:cNvSpPr>
@@ -2735,7 +2735,7 @@
       </p:sp>
       <p:sp>
         <p:nvSpPr>
-          <p:cNvPr id="80" name="Google Shape;80;g304e15145a2_1_20:notes"/>
+          <p:cNvPr id="81" name="Google Shape;81;g304e15145a2_1_20:notes"/>
           <p:cNvSpPr txBox="1">
             <a:spLocks noGrp="1"/>
           </p:cNvSpPr>
@@ -2792,7 +2792,7 @@
   <p:cSld>
     <p:spTree>
       <p:nvGrpSpPr>
-        <p:cNvPr id="1" name="Shape 86"/>
+        <p:cNvPr id="1" name="Shape 89"/>
         <p:cNvGrpSpPr/>
         <p:nvPr/>
       </p:nvGrpSpPr>
@@ -2806,7 +2806,7 @@
       </p:grpSpPr>
       <p:sp>
         <p:nvSpPr>
-          <p:cNvPr id="87" name="Google Shape;87;g304e15145a2_1_27:notes"/>
+          <p:cNvPr id="90" name="Google Shape;90;g304e15145a2_1_27:notes"/>
           <p:cNvSpPr>
             <a:spLocks noGrp="1" noRot="1" noChangeAspect="1"/>
           </p:cNvSpPr>
@@ -2857,7 +2857,7 @@
       </p:sp>
       <p:sp>
         <p:nvSpPr>
-          <p:cNvPr id="88" name="Google Shape;88;g304e15145a2_1_27:notes"/>
+          <p:cNvPr id="91" name="Google Shape;91;g304e15145a2_1_27:notes"/>
           <p:cNvSpPr txBox="1">
             <a:spLocks noGrp="1"/>
           </p:cNvSpPr>
@@ -2914,7 +2914,7 @@
   <p:cSld>
     <p:spTree>
       <p:nvGrpSpPr>
-        <p:cNvPr id="1" name="Shape 96"/>
+        <p:cNvPr id="1" name="Shape 99"/>
         <p:cNvGrpSpPr/>
         <p:nvPr/>
       </p:nvGrpSpPr>
@@ -2928,7 +2928,7 @@
       </p:grpSpPr>
       <p:sp>
         <p:nvSpPr>
-          <p:cNvPr id="97" name="Google Shape;97;g304e15145a2_1_34:notes"/>
+          <p:cNvPr id="100" name="Google Shape;100;g304e15145a2_1_34:notes"/>
           <p:cNvSpPr>
             <a:spLocks noGrp="1" noRot="1" noChangeAspect="1"/>
           </p:cNvSpPr>
@@ -2979,7 +2979,7 @@
       </p:sp>
       <p:sp>
         <p:nvSpPr>
-          <p:cNvPr id="98" name="Google Shape;98;g304e15145a2_1_34:notes"/>
+          <p:cNvPr id="101" name="Google Shape;101;g304e15145a2_1_34:notes"/>
           <p:cNvSpPr txBox="1">
             <a:spLocks noGrp="1"/>
           </p:cNvSpPr>
@@ -3036,7 +3036,7 @@
   <p:cSld>
     <p:spTree>
       <p:nvGrpSpPr>
-        <p:cNvPr id="1" name="Shape 103"/>
+        <p:cNvPr id="1" name="Shape 106"/>
         <p:cNvGrpSpPr/>
         <p:nvPr/>
       </p:nvGrpSpPr>
@@ -3050,7 +3050,7 @@
       </p:grpSpPr>
       <p:sp>
         <p:nvSpPr>
-          <p:cNvPr id="104" name="Google Shape;104;g304e15145a2_1_40:notes"/>
+          <p:cNvPr id="107" name="Google Shape;107;g304e15145a2_1_40:notes"/>
           <p:cNvSpPr>
             <a:spLocks noGrp="1" noRot="1" noChangeAspect="1"/>
           </p:cNvSpPr>
@@ -3101,7 +3101,7 @@
       </p:sp>
       <p:sp>
         <p:nvSpPr>
-          <p:cNvPr id="105" name="Google Shape;105;g304e15145a2_1_40:notes"/>
+          <p:cNvPr id="108" name="Google Shape;108;g304e15145a2_1_40:notes"/>
           <p:cNvSpPr txBox="1">
             <a:spLocks noGrp="1"/>
           </p:cNvSpPr>
@@ -3158,7 +3158,7 @@
   <p:cSld>
     <p:spTree>
       <p:nvGrpSpPr>
-        <p:cNvPr id="1" name="Shape 112"/>
+        <p:cNvPr id="1" name="Shape 115"/>
         <p:cNvGrpSpPr/>
         <p:nvPr/>
       </p:nvGrpSpPr>
@@ -3172,7 +3172,7 @@
       </p:grpSpPr>
       <p:sp>
         <p:nvSpPr>
-          <p:cNvPr id="113" name="Google Shape;113;g304e15145a2_1_47:notes"/>
+          <p:cNvPr id="116" name="Google Shape;116;g304e15145a2_1_47:notes"/>
           <p:cNvSpPr>
             <a:spLocks noGrp="1" noRot="1" noChangeAspect="1"/>
           </p:cNvSpPr>
@@ -3223,7 +3223,7 @@
       </p:sp>
       <p:sp>
         <p:nvSpPr>
-          <p:cNvPr id="114" name="Google Shape;114;g304e15145a2_1_47:notes"/>
+          <p:cNvPr id="117" name="Google Shape;117;g304e15145a2_1_47:notes"/>
           <p:cNvSpPr txBox="1">
             <a:spLocks noGrp="1"/>
           </p:cNvSpPr>
@@ -3280,7 +3280,7 @@
   <p:cSld>
     <p:spTree>
       <p:nvGrpSpPr>
-        <p:cNvPr id="1" name="Shape 121"/>
+        <p:cNvPr id="1" name="Shape 124"/>
         <p:cNvGrpSpPr/>
         <p:nvPr/>
       </p:nvGrpSpPr>
@@ -3294,7 +3294,7 @@
       </p:grpSpPr>
       <p:sp>
         <p:nvSpPr>
-          <p:cNvPr id="122" name="Google Shape;122;g304e15145a2_1_55:notes"/>
+          <p:cNvPr id="125" name="Google Shape;125;g304e15145a2_1_55:notes"/>
           <p:cNvSpPr>
             <a:spLocks noGrp="1" noRot="1" noChangeAspect="1"/>
           </p:cNvSpPr>
@@ -3345,7 +3345,7 @@
       </p:sp>
       <p:sp>
         <p:nvSpPr>
-          <p:cNvPr id="123" name="Google Shape;123;g304e15145a2_1_55:notes"/>
+          <p:cNvPr id="126" name="Google Shape;126;g304e15145a2_1_55:notes"/>
           <p:cNvSpPr txBox="1">
             <a:spLocks noGrp="1"/>
           </p:cNvSpPr>
@@ -3402,7 +3402,7 @@
   <p:cSld>
     <p:spTree>
       <p:nvGrpSpPr>
-        <p:cNvPr id="1" name="Shape 134"/>
+        <p:cNvPr id="1" name="Shape 137"/>
         <p:cNvGrpSpPr/>
         <p:nvPr/>
       </p:nvGrpSpPr>
@@ -3416,7 +3416,7 @@
       </p:grpSpPr>
       <p:sp>
         <p:nvSpPr>
-          <p:cNvPr id="135" name="Google Shape;135;g304e15145a2_1_67:notes"/>
+          <p:cNvPr id="138" name="Google Shape;138;g304e15145a2_1_67:notes"/>
           <p:cNvSpPr>
             <a:spLocks noGrp="1" noRot="1" noChangeAspect="1"/>
           </p:cNvSpPr>
@@ -3467,7 +3467,7 @@
       </p:sp>
       <p:sp>
         <p:nvSpPr>
-          <p:cNvPr id="136" name="Google Shape;136;g304e15145a2_1_67:notes"/>
+          <p:cNvPr id="139" name="Google Shape;139;g304e15145a2_1_67:notes"/>
           <p:cNvSpPr txBox="1">
             <a:spLocks noGrp="1"/>
           </p:cNvSpPr>
@@ -13090,7 +13090,7 @@
         </p:nvSpPr>
         <p:spPr>
           <a:xfrm>
-            <a:off x="4576975" y="4586551"/>
+            <a:off x="4576975" y="4563899"/>
             <a:ext cx="4502400" cy="480300"/>
           </a:xfrm>
           <a:prstGeom prst="rect">
@@ -13798,7 +13798,7 @@
         </p:nvSpPr>
         <p:spPr>
           <a:xfrm>
-            <a:off x="4576975" y="1509628"/>
+            <a:off x="4576975" y="1486976"/>
             <a:ext cx="4502400" cy="3020100"/>
           </a:xfrm>
           <a:prstGeom prst="rect">
@@ -14130,7 +14130,7 @@
                 <a:cs typeface="Calibri"/>
                 <a:sym typeface="Calibri"/>
               </a:rPr>
-              <a:t>Google Agent2Agent Open Protocol (A2A)</a:t>
+              <a:t>Mira Murati’s "Thinking Machines Lab" startup</a:t>
             </a:r>
             <a:endParaRPr sz="1500" b="1">
               <a:solidFill>
@@ -14170,7 +14170,7 @@
                 <a:cs typeface="Calibri"/>
                 <a:sym typeface="Calibri"/>
               </a:rPr>
-              <a:t>X.AI - Grok API</a:t>
+              <a:t>Google Agent2Agent Open Protocol (A2A)</a:t>
             </a:r>
             <a:endParaRPr sz="1500" b="1">
               <a:solidFill>
@@ -14210,7 +14210,7 @@
                 <a:cs typeface="Calibri"/>
                 <a:sym typeface="Calibri"/>
               </a:rPr>
-              <a:t>Kimi-VL-A3B - multimodal open-source LM</a:t>
+              <a:t>X.AI - Grok API</a:t>
             </a:r>
             <a:endParaRPr sz="1500" b="1">
               <a:solidFill>
@@ -14250,7 +14250,7 @@
                 <a:cs typeface="Calibri"/>
                 <a:sym typeface="Calibri"/>
               </a:rPr>
-              <a:t>Microsoft VSCode Copilot vs Cursor AI Editor</a:t>
+              <a:t>Kimi-VL-A3B - multimodal open-source LM</a:t>
             </a:r>
             <a:endParaRPr sz="1500" b="1">
               <a:solidFill>
@@ -14290,7 +14290,7 @@
                 <a:cs typeface="Calibri"/>
                 <a:sym typeface="Calibri"/>
               </a:rPr>
-              <a:t>Mira Murati’s "Thinking Machines Lab" startup</a:t>
+              <a:t>Microsoft VSCode Copilot vs Cursor AI Editor</a:t>
             </a:r>
             <a:endParaRPr sz="1500" b="1">
               <a:solidFill>
@@ -14365,8 +14365,8 @@
         </p:blipFill>
         <p:spPr>
           <a:xfrm>
-            <a:off x="5863975" y="38751"/>
-            <a:ext cx="2072398" cy="1381550"/>
+            <a:off x="7244359" y="48602"/>
+            <a:ext cx="1835018" cy="1381550"/>
           </a:xfrm>
           <a:prstGeom prst="rect">
             <a:avLst/>
@@ -14383,6 +14383,110 @@
           </a:ln>
         </p:spPr>
       </p:pic>
+      <p:sp>
+        <p:nvSpPr>
+          <p:cNvPr id="69" name="Google Shape;69;p15"/>
+          <p:cNvSpPr txBox="1"/>
+          <p:nvPr/>
+        </p:nvSpPr>
+        <p:spPr>
+          <a:xfrm>
+            <a:off x="4879725" y="704525"/>
+            <a:ext cx="2279700" cy="480300"/>
+          </a:xfrm>
+          <a:prstGeom prst="rect">
+            <a:avLst/>
+          </a:prstGeom>
+          <a:solidFill>
+            <a:srgbClr val="FFF2CC"/>
+          </a:solidFill>
+          <a:ln w="9525" cap="flat" cmpd="sng">
+            <a:solidFill>
+              <a:srgbClr val="FF0000"/>
+            </a:solidFill>
+            <a:prstDash val="solid"/>
+            <a:round/>
+            <a:headEnd type="none" w="sm" len="sm"/>
+            <a:tailEnd type="none" w="sm" len="sm"/>
+          </a:ln>
+        </p:spPr>
+        <p:txBody>
+          <a:bodyPr spcFirstLastPara="1" wrap="square" lIns="9125" tIns="9125" rIns="9125" bIns="9125" anchor="t" anchorCtr="0">
+            <a:spAutoFit/>
+          </a:bodyPr>
+          <a:lstStyle/>
+          <a:p>
+            <a:pPr marL="0" marR="0" lvl="0" indent="0" algn="ctr" rtl="0">
+              <a:lnSpc>
+                <a:spcPct val="100000"/>
+              </a:lnSpc>
+              <a:spcBef>
+                <a:spcPts val="0"/>
+              </a:spcBef>
+              <a:spcAft>
+                <a:spcPts val="0"/>
+              </a:spcAft>
+              <a:buNone/>
+            </a:pPr>
+            <a:r>
+              <a:rPr lang="en" sz="1500" b="1">
+                <a:solidFill>
+                  <a:srgbClr val="3C78D8"/>
+                </a:solidFill>
+                <a:latin typeface="Calibri"/>
+                <a:ea typeface="Calibri"/>
+                <a:cs typeface="Calibri"/>
+                <a:sym typeface="Calibri"/>
+              </a:rPr>
+              <a:t>Astronautics Day</a:t>
+            </a:r>
+            <a:endParaRPr sz="1500" b="1">
+              <a:solidFill>
+                <a:srgbClr val="3C78D8"/>
+              </a:solidFill>
+              <a:latin typeface="Calibri"/>
+              <a:ea typeface="Calibri"/>
+              <a:cs typeface="Calibri"/>
+              <a:sym typeface="Calibri"/>
+            </a:endParaRPr>
+          </a:p>
+          <a:p>
+            <a:pPr marL="0" marR="0" lvl="0" indent="0" algn="ctr" rtl="0">
+              <a:lnSpc>
+                <a:spcPct val="100000"/>
+              </a:lnSpc>
+              <a:spcBef>
+                <a:spcPts val="0"/>
+              </a:spcBef>
+              <a:spcAft>
+                <a:spcPts val="0"/>
+              </a:spcAft>
+              <a:buNone/>
+            </a:pPr>
+            <a:r>
+              <a:rPr lang="en" sz="1500" b="1">
+                <a:solidFill>
+                  <a:srgbClr val="3C78D8"/>
+                </a:solidFill>
+                <a:latin typeface="Calibri"/>
+                <a:ea typeface="Calibri"/>
+                <a:cs typeface="Calibri"/>
+                <a:sym typeface="Calibri"/>
+              </a:rPr>
+              <a:t>April 12, 1961</a:t>
+            </a:r>
+            <a:endParaRPr sz="1500" b="1" i="0" u="none" strike="noStrike" cap="none">
+              <a:solidFill>
+                <a:srgbClr val="3C78D8"/>
+              </a:solidFill>
+              <a:latin typeface="Calibri"/>
+              <a:ea typeface="Calibri"/>
+              <a:cs typeface="Calibri"/>
+              <a:sym typeface="Calibri"/>
+            </a:endParaRPr>
+          </a:p>
+        </p:txBody>
+      </p:sp>
     </p:spTree>
   </p:cSld>
   <p:clrMapOvr>
@@ -14396,7 +14500,7 @@
   <p:cSld>
     <p:spTree>
       <p:nvGrpSpPr>
-        <p:cNvPr id="1" name="Shape 148"/>
+        <p:cNvPr id="1" name="Shape 151"/>
         <p:cNvGrpSpPr/>
         <p:nvPr/>
       </p:nvGrpSpPr>
@@ -14410,7 +14514,7 @@
       </p:grpSpPr>
       <p:sp>
         <p:nvSpPr>
-          <p:cNvPr id="149" name="Google Shape;149;p24"/>
+          <p:cNvPr id="152" name="Google Shape;152;p24"/>
           <p:cNvSpPr txBox="1"/>
           <p:nvPr/>
         </p:nvSpPr>
@@ -14476,7 +14580,7 @@
       </p:sp>
       <p:sp>
         <p:nvSpPr>
-          <p:cNvPr id="150" name="Google Shape;150;p24"/>
+          <p:cNvPr id="153" name="Google Shape;153;p24"/>
           <p:cNvSpPr txBox="1"/>
           <p:nvPr/>
         </p:nvSpPr>
@@ -14586,7 +14690,7 @@
                 <a:cs typeface="Calibri"/>
                 <a:sym typeface="Calibri"/>
               </a:rPr>
-              <a:t>Outperforms Manus AI *which uses Claude and 29 tools)</a:t>
+              <a:t>Outperforms Manus AI which uses Claude and 29 tools)</a:t>
             </a:r>
             <a:endParaRPr sz="1200" b="0" i="0" u="none" strike="noStrike" cap="none">
               <a:solidFill>
@@ -14735,7 +14839,7 @@
       </p:sp>
       <p:sp>
         <p:nvSpPr>
-          <p:cNvPr id="151" name="Google Shape;151;p24"/>
+          <p:cNvPr id="154" name="Google Shape;154;p24"/>
           <p:cNvSpPr txBox="1"/>
           <p:nvPr/>
         </p:nvSpPr>
@@ -14862,7 +14966,7 @@
       </p:sp>
       <p:sp>
         <p:nvSpPr>
-          <p:cNvPr id="152" name="Google Shape;152;p24"/>
+          <p:cNvPr id="155" name="Google Shape;155;p24"/>
           <p:cNvSpPr txBox="1"/>
           <p:nvPr/>
         </p:nvSpPr>
@@ -15024,7 +15128,7 @@
                 <a:cs typeface="Calibri"/>
                 <a:sym typeface="Calibri"/>
               </a:rPr>
-              <a:t>Adss composability, observability, and reusability</a:t>
+              <a:t>Ads composability, observability, and reusability</a:t>
             </a:r>
             <a:endParaRPr sz="1200" b="0" i="0" u="none" strike="noStrike" cap="none">
               <a:solidFill>
@@ -15121,7 +15225,7 @@
       </p:sp>
       <p:sp>
         <p:nvSpPr>
-          <p:cNvPr id="153" name="Google Shape;153;p24"/>
+          <p:cNvPr id="156" name="Google Shape;156;p24"/>
           <p:cNvSpPr txBox="1"/>
           <p:nvPr/>
         </p:nvSpPr>
@@ -15387,7 +15491,7 @@
       </p:sp>
       <p:pic>
         <p:nvPicPr>
-          <p:cNvPr id="154" name="Google Shape;154;p24"/>
+          <p:cNvPr id="157" name="Google Shape;157;p24"/>
           <p:cNvPicPr preferRelativeResize="0"/>
           <p:nvPr/>
         </p:nvPicPr>
@@ -15425,7 +15529,7 @@
       </p:pic>
       <p:pic>
         <p:nvPicPr>
-          <p:cNvPr id="155" name="Google Shape;155;p24"/>
+          <p:cNvPr id="158" name="Google Shape;158;p24"/>
           <p:cNvPicPr preferRelativeResize="0"/>
           <p:nvPr/>
         </p:nvPicPr>
@@ -15463,7 +15567,7 @@
       </p:pic>
       <p:pic>
         <p:nvPicPr>
-          <p:cNvPr id="156" name="Google Shape;156;p24"/>
+          <p:cNvPr id="159" name="Google Shape;159;p24"/>
           <p:cNvPicPr preferRelativeResize="0"/>
           <p:nvPr/>
         </p:nvPicPr>
@@ -15501,7 +15605,7 @@
       </p:pic>
       <p:pic>
         <p:nvPicPr>
-          <p:cNvPr id="157" name="Google Shape;157;p24"/>
+          <p:cNvPr id="160" name="Google Shape;160;p24"/>
           <p:cNvPicPr preferRelativeResize="0"/>
           <p:nvPr/>
         </p:nvPicPr>
@@ -15539,7 +15643,7 @@
       </p:pic>
       <p:pic>
         <p:nvPicPr>
-          <p:cNvPr id="158" name="Google Shape;158;p24"/>
+          <p:cNvPr id="161" name="Google Shape;161;p24"/>
           <p:cNvPicPr preferRelativeResize="0"/>
           <p:nvPr/>
         </p:nvPicPr>
@@ -15588,7 +15692,7 @@
   <p:cSld>
     <p:spTree>
       <p:nvGrpSpPr>
-        <p:cNvPr id="1" name="Shape 162"/>
+        <p:cNvPr id="1" name="Shape 165"/>
         <p:cNvGrpSpPr/>
         <p:nvPr/>
       </p:nvGrpSpPr>
@@ -15602,7 +15706,7 @@
       </p:grpSpPr>
       <p:sp>
         <p:nvSpPr>
-          <p:cNvPr id="163" name="Google Shape;163;p25"/>
+          <p:cNvPr id="166" name="Google Shape;166;p25"/>
           <p:cNvSpPr txBox="1"/>
           <p:nvPr/>
         </p:nvSpPr>
@@ -15668,7 +15772,7 @@
       </p:sp>
       <p:sp>
         <p:nvSpPr>
-          <p:cNvPr id="164" name="Google Shape;164;p25"/>
+          <p:cNvPr id="167" name="Google Shape;167;p25"/>
           <p:cNvSpPr txBox="1"/>
           <p:nvPr/>
         </p:nvSpPr>
@@ -15915,7 +16019,7 @@
       </p:sp>
       <p:sp>
         <p:nvSpPr>
-          <p:cNvPr id="165" name="Google Shape;165;p25"/>
+          <p:cNvPr id="168" name="Google Shape;168;p25"/>
           <p:cNvSpPr txBox="1"/>
           <p:nvPr/>
         </p:nvSpPr>
@@ -16189,7 +16293,7 @@
       </p:sp>
       <p:pic>
         <p:nvPicPr>
-          <p:cNvPr id="166" name="Google Shape;166;p25"/>
+          <p:cNvPr id="169" name="Google Shape;169;p25"/>
           <p:cNvPicPr preferRelativeResize="0"/>
           <p:nvPr/>
         </p:nvPicPr>
@@ -16227,7 +16331,7 @@
       </p:pic>
       <p:pic>
         <p:nvPicPr>
-          <p:cNvPr id="167" name="Google Shape;167;p25"/>
+          <p:cNvPr id="170" name="Google Shape;170;p25"/>
           <p:cNvPicPr preferRelativeResize="0"/>
           <p:nvPr/>
         </p:nvPicPr>
@@ -16276,7 +16380,7 @@
   <p:cSld>
     <p:spTree>
       <p:nvGrpSpPr>
-        <p:cNvPr id="1" name="Shape 171"/>
+        <p:cNvPr id="1" name="Shape 174"/>
         <p:cNvGrpSpPr/>
         <p:nvPr/>
       </p:nvGrpSpPr>
@@ -16290,7 +16394,7 @@
       </p:grpSpPr>
       <p:sp>
         <p:nvSpPr>
-          <p:cNvPr id="172" name="Google Shape;172;p26"/>
+          <p:cNvPr id="175" name="Google Shape;175;p26"/>
           <p:cNvSpPr txBox="1"/>
           <p:nvPr/>
         </p:nvSpPr>
@@ -16356,7 +16460,7 @@
       </p:sp>
       <p:sp>
         <p:nvSpPr>
-          <p:cNvPr id="173" name="Google Shape;173;p26"/>
+          <p:cNvPr id="176" name="Google Shape;176;p26"/>
           <p:cNvSpPr txBox="1"/>
           <p:nvPr/>
         </p:nvSpPr>
@@ -16627,7 +16731,7 @@
       </p:sp>
       <p:sp>
         <p:nvSpPr>
-          <p:cNvPr id="174" name="Google Shape;174;p26"/>
+          <p:cNvPr id="177" name="Google Shape;177;p26"/>
           <p:cNvSpPr txBox="1"/>
           <p:nvPr/>
         </p:nvSpPr>
@@ -16914,7 +17018,7 @@
       </p:sp>
       <p:pic>
         <p:nvPicPr>
-          <p:cNvPr id="175" name="Google Shape;175;p26"/>
+          <p:cNvPr id="178" name="Google Shape;178;p26"/>
           <p:cNvPicPr preferRelativeResize="0"/>
           <p:nvPr/>
         </p:nvPicPr>
@@ -16952,7 +17056,7 @@
       </p:pic>
       <p:pic>
         <p:nvPicPr>
-          <p:cNvPr id="176" name="Google Shape;176;p26"/>
+          <p:cNvPr id="179" name="Google Shape;179;p26"/>
           <p:cNvPicPr preferRelativeResize="0"/>
           <p:nvPr/>
         </p:nvPicPr>
@@ -16996,7 +17100,7 @@
   <p:cSld>
     <p:spTree>
       <p:nvGrpSpPr>
-        <p:cNvPr id="1" name="Shape 180"/>
+        <p:cNvPr id="1" name="Shape 183"/>
         <p:cNvGrpSpPr/>
         <p:nvPr/>
       </p:nvGrpSpPr>
@@ -17010,7 +17114,7 @@
       </p:grpSpPr>
       <p:sp>
         <p:nvSpPr>
-          <p:cNvPr id="181" name="Google Shape;181;p27"/>
+          <p:cNvPr id="184" name="Google Shape;184;p27"/>
           <p:cNvSpPr txBox="1"/>
           <p:nvPr/>
         </p:nvSpPr>
@@ -17076,7 +17180,7 @@
       </p:sp>
       <p:sp>
         <p:nvSpPr>
-          <p:cNvPr id="182" name="Google Shape;182;p27"/>
+          <p:cNvPr id="185" name="Google Shape;185;p27"/>
           <p:cNvSpPr txBox="1"/>
           <p:nvPr/>
         </p:nvSpPr>
@@ -17270,7 +17374,7 @@
       </p:sp>
       <p:sp>
         <p:nvSpPr>
-          <p:cNvPr id="183" name="Google Shape;183;p27"/>
+          <p:cNvPr id="186" name="Google Shape;186;p27"/>
           <p:cNvSpPr txBox="1"/>
           <p:nvPr/>
         </p:nvSpPr>
@@ -17644,7 +17748,7 @@
       </p:sp>
       <p:pic>
         <p:nvPicPr>
-          <p:cNvPr id="184" name="Google Shape;184;p27"/>
+          <p:cNvPr id="187" name="Google Shape;187;p27"/>
           <p:cNvPicPr preferRelativeResize="0"/>
           <p:nvPr/>
         </p:nvPicPr>
@@ -17682,7 +17786,7 @@
       </p:pic>
       <p:pic>
         <p:nvPicPr>
-          <p:cNvPr id="185" name="Google Shape;185;p27"/>
+          <p:cNvPr id="188" name="Google Shape;188;p27"/>
           <p:cNvPicPr preferRelativeResize="0"/>
           <p:nvPr/>
         </p:nvPicPr>
@@ -17731,7 +17835,7 @@
   <p:cSld>
     <p:spTree>
       <p:nvGrpSpPr>
-        <p:cNvPr id="1" name="Shape 189"/>
+        <p:cNvPr id="1" name="Shape 192"/>
         <p:cNvGrpSpPr/>
         <p:nvPr/>
       </p:nvGrpSpPr>
@@ -17745,7 +17849,7 @@
       </p:grpSpPr>
       <p:sp>
         <p:nvSpPr>
-          <p:cNvPr id="190" name="Google Shape;190;p28"/>
+          <p:cNvPr id="193" name="Google Shape;193;p28"/>
           <p:cNvSpPr txBox="1"/>
           <p:nvPr/>
         </p:nvSpPr>
@@ -17811,7 +17915,7 @@
       </p:sp>
       <p:sp>
         <p:nvSpPr>
-          <p:cNvPr id="191" name="Google Shape;191;p28"/>
+          <p:cNvPr id="194" name="Google Shape;194;p28"/>
           <p:cNvSpPr txBox="1"/>
           <p:nvPr/>
         </p:nvSpPr>
@@ -18098,7 +18202,7 @@
       </p:sp>
       <p:sp>
         <p:nvSpPr>
-          <p:cNvPr id="192" name="Google Shape;192;p28"/>
+          <p:cNvPr id="195" name="Google Shape;195;p28"/>
           <p:cNvSpPr txBox="1"/>
           <p:nvPr/>
         </p:nvSpPr>
@@ -18293,7 +18397,7 @@
       </p:sp>
       <p:pic>
         <p:nvPicPr>
-          <p:cNvPr id="193" name="Google Shape;193;p28"/>
+          <p:cNvPr id="196" name="Google Shape;196;p28"/>
           <p:cNvPicPr preferRelativeResize="0"/>
           <p:nvPr/>
         </p:nvPicPr>
@@ -18331,7 +18435,7 @@
       </p:pic>
       <p:pic>
         <p:nvPicPr>
-          <p:cNvPr id="194" name="Google Shape;194;p28"/>
+          <p:cNvPr id="197" name="Google Shape;197;p28"/>
           <p:cNvPicPr preferRelativeResize="0"/>
           <p:nvPr/>
         </p:nvPicPr>
@@ -18380,7 +18484,7 @@
   <p:cSld>
     <p:spTree>
       <p:nvGrpSpPr>
-        <p:cNvPr id="1" name="Shape 198"/>
+        <p:cNvPr id="1" name="Shape 201"/>
         <p:cNvGrpSpPr/>
         <p:nvPr/>
       </p:nvGrpSpPr>
@@ -18394,7 +18498,7 @@
       </p:grpSpPr>
       <p:sp>
         <p:nvSpPr>
-          <p:cNvPr id="199" name="Google Shape;199;p29"/>
+          <p:cNvPr id="202" name="Google Shape;202;p29"/>
           <p:cNvSpPr txBox="1"/>
           <p:nvPr/>
         </p:nvSpPr>
@@ -18460,7 +18564,7 @@
       </p:sp>
       <p:sp>
         <p:nvSpPr>
-          <p:cNvPr id="200" name="Google Shape;200;p29"/>
+          <p:cNvPr id="203" name="Google Shape;203;p29"/>
           <p:cNvSpPr txBox="1"/>
           <p:nvPr/>
         </p:nvSpPr>
@@ -18655,7 +18759,7 @@
       </p:sp>
       <p:sp>
         <p:nvSpPr>
-          <p:cNvPr id="201" name="Google Shape;201;p29"/>
+          <p:cNvPr id="204" name="Google Shape;204;p29"/>
           <p:cNvSpPr txBox="1"/>
           <p:nvPr/>
         </p:nvSpPr>
@@ -18942,7 +19046,7 @@
       </p:sp>
       <p:pic>
         <p:nvPicPr>
-          <p:cNvPr id="202" name="Google Shape;202;p29"/>
+          <p:cNvPr id="205" name="Google Shape;205;p29"/>
           <p:cNvPicPr preferRelativeResize="0"/>
           <p:nvPr/>
         </p:nvPicPr>
@@ -18980,7 +19084,7 @@
       </p:pic>
       <p:pic>
         <p:nvPicPr>
-          <p:cNvPr id="203" name="Google Shape;203;p29"/>
+          <p:cNvPr id="206" name="Google Shape;206;p29"/>
           <p:cNvPicPr preferRelativeResize="0"/>
           <p:nvPr/>
         </p:nvPicPr>
@@ -18998,7 +19102,7 @@
         </p:blipFill>
         <p:spPr>
           <a:xfrm>
-            <a:off x="3784600" y="2084201"/>
+            <a:off x="3632200" y="2084201"/>
             <a:ext cx="1812750" cy="1636075"/>
           </a:xfrm>
           <a:prstGeom prst="rect">
@@ -19018,14 +19122,14 @@
       </p:pic>
       <p:sp>
         <p:nvSpPr>
-          <p:cNvPr id="204" name="Google Shape;204;p29"/>
+          <p:cNvPr id="207" name="Google Shape;207;p29"/>
           <p:cNvSpPr txBox="1"/>
           <p:nvPr/>
         </p:nvSpPr>
         <p:spPr>
           <a:xfrm>
             <a:off x="188375" y="3905425"/>
-            <a:ext cx="3775200" cy="1126800"/>
+            <a:ext cx="3685200" cy="1126800"/>
           </a:xfrm>
           <a:prstGeom prst="rect">
             <a:avLst/>
@@ -19212,7 +19316,7 @@
       </p:sp>
       <p:pic>
         <p:nvPicPr>
-          <p:cNvPr id="205" name="Google Shape;205;p29"/>
+          <p:cNvPr id="208" name="Google Shape;208;p29"/>
           <p:cNvPicPr preferRelativeResize="0"/>
           <p:nvPr/>
         </p:nvPicPr>
@@ -19231,8 +19335,198 @@
         </p:blipFill>
         <p:spPr>
           <a:xfrm>
-            <a:off x="4138225" y="3893750"/>
-            <a:ext cx="2253624" cy="1126800"/>
+            <a:off x="3961413" y="4104050"/>
+            <a:ext cx="1459126" cy="729554"/>
+          </a:xfrm>
+          <a:prstGeom prst="rect">
+            <a:avLst/>
+          </a:prstGeom>
+          <a:noFill/>
+          <a:ln w="9525" cap="flat" cmpd="sng">
+            <a:solidFill>
+              <a:srgbClr val="FF0000"/>
+            </a:solidFill>
+            <a:prstDash val="solid"/>
+            <a:round/>
+            <a:headEnd type="none" w="sm" len="sm"/>
+            <a:tailEnd type="none" w="sm" len="sm"/>
+          </a:ln>
+        </p:spPr>
+      </p:pic>
+      <p:sp>
+        <p:nvSpPr>
+          <p:cNvPr id="209" name="Google Shape;209;p29"/>
+          <p:cNvSpPr txBox="1"/>
+          <p:nvPr/>
+        </p:nvSpPr>
+        <p:spPr>
+          <a:xfrm>
+            <a:off x="5738475" y="3675400"/>
+            <a:ext cx="3325200" cy="1311300"/>
+          </a:xfrm>
+          <a:prstGeom prst="rect">
+            <a:avLst/>
+          </a:prstGeom>
+          <a:solidFill>
+            <a:srgbClr val="FFF2CC"/>
+          </a:solidFill>
+          <a:ln w="9525" cap="flat" cmpd="sng">
+            <a:solidFill>
+              <a:srgbClr val="FF0000"/>
+            </a:solidFill>
+            <a:prstDash val="solid"/>
+            <a:round/>
+            <a:headEnd type="none" w="sm" len="sm"/>
+            <a:tailEnd type="none" w="sm" len="sm"/>
+          </a:ln>
+        </p:spPr>
+        <p:txBody>
+          <a:bodyPr spcFirstLastPara="1" wrap="square" lIns="9125" tIns="9125" rIns="9125" bIns="9125" anchor="t" anchorCtr="0">
+            <a:spAutoFit/>
+          </a:bodyPr>
+          <a:lstStyle/>
+          <a:p>
+            <a:pPr marL="171450" marR="0" lvl="0" indent="-114300" algn="l" rtl="0">
+              <a:lnSpc>
+                <a:spcPct val="100000"/>
+              </a:lnSpc>
+              <a:spcBef>
+                <a:spcPts val="0"/>
+              </a:spcBef>
+              <a:spcAft>
+                <a:spcPts val="0"/>
+              </a:spcAft>
+              <a:buClr>
+                <a:srgbClr val="FF0000"/>
+              </a:buClr>
+              <a:buSzPts val="900"/>
+              <a:buFont typeface="Calibri"/>
+              <a:buChar char="●"/>
+            </a:pPr>
+            <a:r>
+              <a:rPr lang="en" sz="1200" b="1">
+                <a:solidFill>
+                  <a:srgbClr val="FF0000"/>
+                </a:solidFill>
+                <a:latin typeface="Calibri"/>
+                <a:ea typeface="Calibri"/>
+                <a:cs typeface="Calibri"/>
+                <a:sym typeface="Calibri"/>
+              </a:rPr>
+              <a:t>Mira Murati’s "Thinking Machines Lab"</a:t>
+            </a:r>
+            <a:endParaRPr sz="1200" b="1">
+              <a:solidFill>
+                <a:srgbClr val="FF0000"/>
+              </a:solidFill>
+              <a:latin typeface="Calibri"/>
+              <a:ea typeface="Calibri"/>
+              <a:cs typeface="Calibri"/>
+              <a:sym typeface="Calibri"/>
+            </a:endParaRPr>
+          </a:p>
+          <a:p>
+            <a:pPr marL="171450" marR="0" lvl="0" indent="-114300" algn="l" rtl="0">
+              <a:lnSpc>
+                <a:spcPct val="100000"/>
+              </a:lnSpc>
+              <a:spcBef>
+                <a:spcPts val="0"/>
+              </a:spcBef>
+              <a:spcAft>
+                <a:spcPts val="0"/>
+              </a:spcAft>
+              <a:buSzPts val="900"/>
+              <a:buFont typeface="Calibri"/>
+              <a:buChar char="●"/>
+            </a:pPr>
+            <a:r>
+              <a:rPr lang="en" sz="1200">
+                <a:latin typeface="Calibri"/>
+                <a:ea typeface="Calibri"/>
+                <a:cs typeface="Calibri"/>
+                <a:sym typeface="Calibri"/>
+              </a:rPr>
+              <a:t>is in talks to receive a </a:t>
+            </a:r>
+            <a:r>
+              <a:rPr lang="en" sz="1200" b="1">
+                <a:solidFill>
+                  <a:srgbClr val="3C78D8"/>
+                </a:solidFill>
+                <a:latin typeface="Calibri"/>
+                <a:ea typeface="Calibri"/>
+                <a:cs typeface="Calibri"/>
+                <a:sym typeface="Calibri"/>
+              </a:rPr>
+              <a:t>$2B at $10B Valuation</a:t>
+            </a:r>
+            <a:endParaRPr sz="1200" b="1">
+              <a:solidFill>
+                <a:srgbClr val="3C78D8"/>
+              </a:solidFill>
+              <a:latin typeface="Calibri"/>
+              <a:ea typeface="Calibri"/>
+              <a:cs typeface="Calibri"/>
+              <a:sym typeface="Calibri"/>
+            </a:endParaRPr>
+          </a:p>
+          <a:p>
+            <a:pPr marL="171450" marR="0" lvl="0" indent="-114300" algn="l" rtl="0">
+              <a:lnSpc>
+                <a:spcPct val="100000"/>
+              </a:lnSpc>
+              <a:spcBef>
+                <a:spcPts val="0"/>
+              </a:spcBef>
+              <a:spcAft>
+                <a:spcPts val="0"/>
+              </a:spcAft>
+              <a:buSzPts val="900"/>
+              <a:buFont typeface="Calibri"/>
+              <a:buChar char="●"/>
+            </a:pPr>
+            <a:r>
+              <a:rPr lang="en" sz="1200">
+                <a:latin typeface="Calibri"/>
+                <a:ea typeface="Calibri"/>
+                <a:cs typeface="Calibri"/>
+                <a:sym typeface="Calibri"/>
+              </a:rPr>
+              <a:t>While the company has yet to unveil a product, it has quietly assembled a high-powered founding team—reportedly including key OpenAI veterans like Bob McGrew, Alec Radford, and John Schulman.</a:t>
+            </a:r>
+            <a:endParaRPr sz="1200">
+              <a:latin typeface="Calibri"/>
+              <a:ea typeface="Calibri"/>
+              <a:cs typeface="Calibri"/>
+              <a:sym typeface="Calibri"/>
+            </a:endParaRPr>
+          </a:p>
+        </p:txBody>
+      </p:sp>
+      <p:pic>
+        <p:nvPicPr>
+          <p:cNvPr id="210" name="Google Shape;210;p29"/>
+          <p:cNvPicPr preferRelativeResize="0"/>
+          <p:nvPr/>
+        </p:nvPicPr>
+        <p:blipFill>
+          <a:blip r:embed="rId8" cstate="email">
+            <a:alphaModFix/>
+            <a:extLst>
+              <a:ext uri="{28A0092B-C50C-407E-A947-70E740481C1C}">
+                <a14:useLocalDpi xmlns:a14="http://schemas.microsoft.com/office/drawing/2010/main"/>
+              </a:ext>
+            </a:extLst>
+          </a:blip>
+          <a:stretch>
+            <a:fillRect/>
+          </a:stretch>
+        </p:blipFill>
+        <p:spPr>
+          <a:xfrm>
+            <a:off x="6270850" y="2244559"/>
+            <a:ext cx="2377549" cy="1337374"/>
           </a:xfrm>
           <a:prstGeom prst="rect">
             <a:avLst/>
@@ -19262,7 +19556,7 @@
   <p:cSld>
     <p:spTree>
       <p:nvGrpSpPr>
-        <p:cNvPr id="1" name="Shape 209"/>
+        <p:cNvPr id="1" name="Shape 214"/>
         <p:cNvGrpSpPr/>
         <p:nvPr/>
       </p:nvGrpSpPr>
@@ -19276,7 +19570,7 @@
       </p:grpSpPr>
       <p:sp>
         <p:nvSpPr>
-          <p:cNvPr id="210" name="Google Shape;210;p30"/>
+          <p:cNvPr id="215" name="Google Shape;215;p30"/>
           <p:cNvSpPr txBox="1"/>
           <p:nvPr/>
         </p:nvSpPr>
@@ -19354,7 +19648,7 @@
       </p:sp>
       <p:sp>
         <p:nvSpPr>
-          <p:cNvPr id="211" name="Google Shape;211;p30"/>
+          <p:cNvPr id="216" name="Google Shape;216;p30"/>
           <p:cNvSpPr txBox="1"/>
           <p:nvPr/>
         </p:nvSpPr>
@@ -19574,7 +19868,7 @@
       </p:sp>
       <p:pic>
         <p:nvPicPr>
-          <p:cNvPr id="212" name="Google Shape;212;p30"/>
+          <p:cNvPr id="217" name="Google Shape;217;p30"/>
           <p:cNvPicPr preferRelativeResize="0"/>
           <p:nvPr/>
         </p:nvPicPr>
@@ -19613,13 +19907,13 @@
       </p:pic>
       <p:sp>
         <p:nvSpPr>
-          <p:cNvPr id="213" name="Google Shape;213;p30"/>
+          <p:cNvPr id="218" name="Google Shape;218;p30"/>
           <p:cNvSpPr txBox="1"/>
           <p:nvPr/>
         </p:nvSpPr>
         <p:spPr>
           <a:xfrm>
-            <a:off x="55075" y="2601550"/>
+            <a:off x="359875" y="3134950"/>
             <a:ext cx="2437500" cy="803400"/>
           </a:xfrm>
           <a:prstGeom prst="rect">
@@ -19817,7 +20111,7 @@
       </p:sp>
       <p:pic>
         <p:nvPicPr>
-          <p:cNvPr id="214" name="Google Shape;214;p30"/>
+          <p:cNvPr id="219" name="Google Shape;219;p30"/>
           <p:cNvPicPr preferRelativeResize="0"/>
           <p:nvPr/>
         </p:nvPicPr>
@@ -19836,7 +20130,7 @@
         </p:blipFill>
         <p:spPr>
           <a:xfrm>
-            <a:off x="55075" y="3514150"/>
+            <a:off x="359875" y="4047550"/>
             <a:ext cx="2437499" cy="708854"/>
           </a:xfrm>
           <a:prstGeom prst="rect">
@@ -19856,13 +20150,13 @@
       </p:pic>
       <p:sp>
         <p:nvSpPr>
-          <p:cNvPr id="215" name="Google Shape;215;p30"/>
+          <p:cNvPr id="220" name="Google Shape;220;p30"/>
           <p:cNvSpPr txBox="1"/>
           <p:nvPr/>
         </p:nvSpPr>
         <p:spPr>
           <a:xfrm>
-            <a:off x="5609200" y="4183875"/>
+            <a:off x="5380600" y="3726675"/>
             <a:ext cx="3482100" cy="895800"/>
           </a:xfrm>
           <a:prstGeom prst="rect">
@@ -20058,7 +20352,7 @@
       </p:sp>
       <p:pic>
         <p:nvPicPr>
-          <p:cNvPr id="216" name="Google Shape;216;p30"/>
+          <p:cNvPr id="221" name="Google Shape;221;p30"/>
           <p:cNvPicPr preferRelativeResize="0"/>
           <p:nvPr/>
         </p:nvPicPr>
@@ -20077,7 +20371,7 @@
         </p:blipFill>
         <p:spPr>
           <a:xfrm>
-            <a:off x="4636700" y="4183875"/>
+            <a:off x="4408100" y="3726675"/>
             <a:ext cx="895800" cy="895800"/>
           </a:xfrm>
           <a:prstGeom prst="rect">
@@ -20102,7 +20396,7 @@
   <p:cSld>
     <p:spTree>
       <p:nvGrpSpPr>
-        <p:cNvPr id="1" name="Shape 220"/>
+        <p:cNvPr id="1" name="Shape 225"/>
         <p:cNvGrpSpPr/>
         <p:nvPr/>
       </p:nvGrpSpPr>
@@ -20116,14 +20410,14 @@
       </p:grpSpPr>
       <p:sp>
         <p:nvSpPr>
-          <p:cNvPr id="221" name="Google Shape;221;p31"/>
+          <p:cNvPr id="226" name="Google Shape;226;p31"/>
           <p:cNvSpPr txBox="1"/>
           <p:nvPr/>
         </p:nvSpPr>
         <p:spPr>
           <a:xfrm>
             <a:off x="55075" y="52750"/>
-            <a:ext cx="4431300" cy="326400"/>
+            <a:ext cx="3297600" cy="326400"/>
           </a:xfrm>
           <a:prstGeom prst="rect">
             <a:avLst/>
@@ -20157,7 +20451,7 @@
               <a:buNone/>
             </a:pPr>
             <a:r>
-              <a:rPr lang="en" sz="2000" b="1" i="0" u="none" strike="noStrike" cap="none">
+              <a:rPr lang="en" sz="2000" b="1">
                 <a:solidFill>
                   <a:schemeClr val="dk1"/>
                 </a:solidFill>
@@ -20166,19 +20460,7 @@
                 <a:cs typeface="Calibri"/>
                 <a:sym typeface="Calibri"/>
               </a:rPr>
-              <a:t>AI Updates </a:t>
-            </a:r>
-            <a:r>
-              <a:rPr lang="en" sz="2000" b="1">
-                <a:solidFill>
-                  <a:schemeClr val="dk1"/>
-                </a:solidFill>
-                <a:latin typeface="Calibri"/>
-                <a:ea typeface="Calibri"/>
-                <a:cs typeface="Calibri"/>
-                <a:sym typeface="Calibri"/>
-              </a:rPr>
-              <a:t>10</a:t>
+              <a:t>Cursor vs Copilot vs Windsurf</a:t>
             </a:r>
             <a:endParaRPr sz="2000" b="1" i="0" u="none" strike="noStrike" cap="none">
               <a:solidFill>
@@ -20194,14 +20476,14 @@
       </p:sp>
       <p:sp>
         <p:nvSpPr>
-          <p:cNvPr id="222" name="Google Shape;222;p31"/>
+          <p:cNvPr id="227" name="Google Shape;227;p31"/>
           <p:cNvSpPr txBox="1"/>
           <p:nvPr/>
         </p:nvSpPr>
         <p:spPr>
           <a:xfrm>
-            <a:off x="97525" y="459550"/>
-            <a:ext cx="4476900" cy="2604300"/>
+            <a:off x="55075" y="453050"/>
+            <a:ext cx="5641200" cy="3112200"/>
           </a:xfrm>
           <a:prstGeom prst="rect">
             <a:avLst/>
@@ -20225,17 +20507,17 @@
           </a:bodyPr>
           <a:lstStyle/>
           <a:p>
-            <a:pPr marL="171450" marR="0" lvl="0" indent="-114300" algn="l" rtl="0">
-              <a:lnSpc>
-                <a:spcPct val="100000"/>
-              </a:lnSpc>
-              <a:spcBef>
-                <a:spcPts val="0"/>
-              </a:spcBef>
-              <a:spcAft>
-                <a:spcPts val="0"/>
-              </a:spcAft>
-              <a:buSzPts val="900"/>
+            <a:pPr marL="171450" marR="0" lvl="0" indent="-133350" algn="l" rtl="0">
+              <a:lnSpc>
+                <a:spcPct val="100000"/>
+              </a:lnSpc>
+              <a:spcBef>
+                <a:spcPts val="0"/>
+              </a:spcBef>
+              <a:spcAft>
+                <a:spcPts val="0"/>
+              </a:spcAft>
+              <a:buSzPts val="1200"/>
               <a:buFont typeface="Calibri"/>
               <a:buChar char="●"/>
             </a:pPr>
@@ -20249,7 +20531,7 @@
                 <a:cs typeface="Calibri"/>
                 <a:sym typeface="Calibri"/>
               </a:rPr>
-              <a:t>Microsoft Quietly Blocked Cursor from Using Its VSCode Extension</a:t>
+              <a:t>Microsoft Blocked Cursor from Using Its C++ VSCode Extension (and other extensions)</a:t>
             </a:r>
             <a:r>
               <a:rPr lang="en" sz="1200">
@@ -20268,17 +20550,17 @@
             </a:endParaRPr>
           </a:p>
           <a:p>
-            <a:pPr marL="171450" marR="0" lvl="0" indent="-114300" algn="l" rtl="0">
-              <a:lnSpc>
-                <a:spcPct val="100000"/>
-              </a:lnSpc>
-              <a:spcBef>
-                <a:spcPts val="0"/>
-              </a:spcBef>
-              <a:spcAft>
-                <a:spcPts val="0"/>
-              </a:spcAft>
-              <a:buSzPts val="900"/>
+            <a:pPr marL="171450" marR="0" lvl="0" indent="-133350" algn="l" rtl="0">
+              <a:lnSpc>
+                <a:spcPct val="100000"/>
+              </a:lnSpc>
+              <a:spcBef>
+                <a:spcPts val="0"/>
+              </a:spcBef>
+              <a:spcAft>
+                <a:spcPts val="0"/>
+              </a:spcAft>
+              <a:buSzPts val="1200"/>
               <a:buFont typeface="Calibri"/>
               <a:buChar char="●"/>
             </a:pPr>
@@ -20289,7 +20571,7 @@
                 <a:cs typeface="Calibri"/>
                 <a:sym typeface="Calibri"/>
               </a:rPr>
-              <a:t>A single line buried in a 485-line JSON file of one of Microsoft’s language service extensions for VSCode broke its compatibility with Cursor. </a:t>
+              <a:t>Users of Cursor (a VS Code fork) are getting error messages stating that Microsoft's C++ extension (and other extensions) can only be used within official Microsoft products.</a:t>
             </a:r>
             <a:endParaRPr sz="1200">
               <a:latin typeface="Calibri"/>
@@ -20299,17 +20581,17 @@
             </a:endParaRPr>
           </a:p>
           <a:p>
-            <a:pPr marL="171450" marR="0" lvl="0" indent="-114300" algn="l" rtl="0">
-              <a:lnSpc>
-                <a:spcPct val="100000"/>
-              </a:lnSpc>
-              <a:spcBef>
-                <a:spcPts val="0"/>
-              </a:spcBef>
-              <a:spcAft>
-                <a:spcPts val="0"/>
-              </a:spcAft>
-              <a:buSzPts val="900"/>
+            <a:pPr marL="171450" marR="0" lvl="0" indent="-133350" algn="l" rtl="0">
+              <a:lnSpc>
+                <a:spcPct val="100000"/>
+              </a:lnSpc>
+              <a:spcBef>
+                <a:spcPts val="0"/>
+              </a:spcBef>
+              <a:spcAft>
+                <a:spcPts val="0"/>
+              </a:spcAft>
+              <a:buSzPts val="1200"/>
               <a:buFont typeface="Calibri"/>
               <a:buChar char="●"/>
             </a:pPr>
@@ -20351,7 +20633,7 @@
                 <a:cs typeface="Calibri"/>
                 <a:sym typeface="Calibri"/>
               </a:rPr>
-              <a:t>Microsoft transformed Copilot from a simple extension into a feature integrated into VSCode. So now VSCode has an AI functionality built into it - rivaling Cursor's main offering</a:t>
+              <a:t>Microsoft has updated their policies in January 2025. This restriction helps Microsoft to deal with support burden (from forks like Cursor). </a:t>
             </a:r>
             <a:endParaRPr sz="1200">
               <a:latin typeface="Calibri"/>
@@ -20361,6 +20643,68 @@
             </a:endParaRPr>
           </a:p>
           <a:p>
+            <a:pPr marL="171450" marR="0" lvl="0" indent="-133350" algn="l" rtl="0">
+              <a:lnSpc>
+                <a:spcPct val="100000"/>
+              </a:lnSpc>
+              <a:spcBef>
+                <a:spcPts val="0"/>
+              </a:spcBef>
+              <a:spcAft>
+                <a:spcPts val="0"/>
+              </a:spcAft>
+              <a:buSzPts val="1200"/>
+              <a:buFont typeface="Calibri"/>
+              <a:buChar char="●"/>
+            </a:pPr>
+            <a:r>
+              <a:rPr lang="en" sz="1200">
+                <a:latin typeface="Calibri"/>
+                <a:ea typeface="Calibri"/>
+                <a:cs typeface="Calibri"/>
+                <a:sym typeface="Calibri"/>
+              </a:rPr>
+              <a:t>In the future fork developers will increasingly use Open VSX marketplace instead of Microsoft VSCode marketplace. Open alternatives to Microsoft's proprietary extensions will develop.</a:t>
+            </a:r>
+            <a:endParaRPr sz="1200">
+              <a:latin typeface="Calibri"/>
+              <a:ea typeface="Calibri"/>
+              <a:cs typeface="Calibri"/>
+              <a:sym typeface="Calibri"/>
+            </a:endParaRPr>
+          </a:p>
+          <a:p>
+            <a:pPr marL="171450" marR="0" lvl="0" indent="-133350" algn="l" rtl="0">
+              <a:lnSpc>
+                <a:spcPct val="100000"/>
+              </a:lnSpc>
+              <a:spcBef>
+                <a:spcPts val="0"/>
+              </a:spcBef>
+              <a:spcAft>
+                <a:spcPts val="0"/>
+              </a:spcAft>
+              <a:buSzPts val="1200"/>
+              <a:buFont typeface="Calibri"/>
+              <a:buChar char="●"/>
+            </a:pPr>
+            <a:r>
+              <a:rPr lang="en" sz="1200">
+                <a:latin typeface="Calibri"/>
+                <a:ea typeface="Calibri"/>
+                <a:cs typeface="Calibri"/>
+                <a:sym typeface="Calibri"/>
+              </a:rPr>
+              <a:t>Microsoft transformed Copilot from a simple extension into a feature integrated into VSCode. So now VSCode has native AI functionality rivaling Cursor's main offering</a:t>
+            </a:r>
+            <a:endParaRPr sz="1200">
+              <a:latin typeface="Calibri"/>
+              <a:ea typeface="Calibri"/>
+              <a:cs typeface="Calibri"/>
+              <a:sym typeface="Calibri"/>
+            </a:endParaRPr>
+          </a:p>
+          <a:p>
             <a:pPr marL="171450" marR="0" lvl="0" indent="-114300" algn="l" rtl="0">
               <a:lnSpc>
                 <a:spcPct val="100000"/>
@@ -20386,7 +20730,7 @@
                 <a:sym typeface="Calibri"/>
                 <a:hlinkClick r:id="rId3"/>
               </a:rPr>
-              <a:t>https://tomaszs2.medium.com/microsoft-quietly-blocked-cursor-from-using-its-vscode-extension-heres-the-line-of-code-that-8d664caf0de5</a:t>
+              <a:t>https://www.youtube.com/watch?v=vEQ07-p8ZDE</a:t>
             </a:r>
             <a:r>
               <a:rPr lang="en" sz="900">
@@ -20395,7 +20739,7 @@
                 <a:cs typeface="Calibri"/>
                 <a:sym typeface="Calibri"/>
               </a:rPr>
-              <a:t>  </a:t>
+              <a:t> </a:t>
             </a:r>
             <a:endParaRPr sz="900">
               <a:latin typeface="Calibri"/>
@@ -20430,7 +20774,7 @@
                 <a:sym typeface="Calibri"/>
                 <a:hlinkClick r:id="rId4"/>
               </a:rPr>
-              <a:t>https://www.reddit.com/r/programming/comments/1jrl2zw/microsoft_has_released_their_own_agent_mode_so/?rdt=55854</a:t>
+              <a:t>https://tomaszs2.medium.com/microsoft-quietly-blocked-cursor-from-using-its-vscode-extension-heres-the-line-of-code-that-8d664caf0de5</a:t>
             </a:r>
             <a:r>
               <a:rPr lang="en" sz="900">
@@ -20439,7 +20783,7 @@
                 <a:cs typeface="Calibri"/>
                 <a:sym typeface="Calibri"/>
               </a:rPr>
-              <a:t> </a:t>
+              <a:t>  </a:t>
             </a:r>
             <a:endParaRPr sz="900">
               <a:latin typeface="Calibri"/>
@@ -20448,18 +20792,101 @@
               <a:sym typeface="Calibri"/>
             </a:endParaRPr>
           </a:p>
+          <a:p>
+            <a:pPr marL="171450" marR="0" lvl="0" indent="-114300" algn="l" rtl="0">
+              <a:lnSpc>
+                <a:spcPct val="100000"/>
+              </a:lnSpc>
+              <a:spcBef>
+                <a:spcPts val="0"/>
+              </a:spcBef>
+              <a:spcAft>
+                <a:spcPts val="0"/>
+              </a:spcAft>
+              <a:buSzPts val="900"/>
+              <a:buFont typeface="Calibri"/>
+              <a:buChar char="●"/>
+            </a:pPr>
+            <a:r>
+              <a:rPr lang="en" sz="900" u="sng">
+                <a:solidFill>
+                  <a:schemeClr val="hlink"/>
+                </a:solidFill>
+                <a:latin typeface="Calibri"/>
+                <a:ea typeface="Calibri"/>
+                <a:cs typeface="Calibri"/>
+                <a:sym typeface="Calibri"/>
+                <a:hlinkClick r:id="rId5"/>
+              </a:rPr>
+              <a:t>https://www.reddit.com/r/programming/comments/1jrl2zw/microsoft_has_released_their_own_agent_mode_so/?rdt=55854</a:t>
+            </a:r>
+            <a:r>
+              <a:rPr lang="en" sz="900">
+                <a:latin typeface="Calibri"/>
+                <a:ea typeface="Calibri"/>
+                <a:cs typeface="Calibri"/>
+                <a:sym typeface="Calibri"/>
+              </a:rPr>
+              <a:t> </a:t>
+            </a:r>
+            <a:endParaRPr sz="900">
+              <a:latin typeface="Calibri"/>
+              <a:ea typeface="Calibri"/>
+              <a:cs typeface="Calibri"/>
+              <a:sym typeface="Calibri"/>
+            </a:endParaRPr>
+          </a:p>
         </p:txBody>
       </p:sp>
+      <p:pic>
+        <p:nvPicPr>
+          <p:cNvPr id="228" name="Google Shape;228;p31"/>
+          <p:cNvPicPr preferRelativeResize="0"/>
+          <p:nvPr/>
+        </p:nvPicPr>
+        <p:blipFill>
+          <a:blip r:embed="rId6" cstate="email">
+            <a:alphaModFix/>
+            <a:extLst>
+              <a:ext uri="{28A0092B-C50C-407E-A947-70E740481C1C}">
+                <a14:useLocalDpi xmlns:a14="http://schemas.microsoft.com/office/drawing/2010/main"/>
+              </a:ext>
+            </a:extLst>
+          </a:blip>
+          <a:stretch>
+            <a:fillRect/>
+          </a:stretch>
+        </p:blipFill>
+        <p:spPr>
+          <a:xfrm>
+            <a:off x="5780000" y="1090175"/>
+            <a:ext cx="3248724" cy="2165801"/>
+          </a:xfrm>
+          <a:prstGeom prst="rect">
+            <a:avLst/>
+          </a:prstGeom>
+          <a:noFill/>
+          <a:ln w="9525" cap="flat" cmpd="sng">
+            <a:solidFill>
+              <a:srgbClr val="FF0000"/>
+            </a:solidFill>
+            <a:prstDash val="solid"/>
+            <a:round/>
+            <a:headEnd type="none" w="sm" len="sm"/>
+            <a:tailEnd type="none" w="sm" len="sm"/>
+          </a:ln>
+        </p:spPr>
+      </p:pic>
       <p:sp>
         <p:nvSpPr>
-          <p:cNvPr id="223" name="Google Shape;223;p31"/>
+          <p:cNvPr id="229" name="Google Shape;229;p31"/>
           <p:cNvSpPr txBox="1"/>
           <p:nvPr/>
         </p:nvSpPr>
         <p:spPr>
           <a:xfrm>
-            <a:off x="97525" y="3752313"/>
-            <a:ext cx="4476900" cy="942000"/>
+            <a:off x="2448675" y="3961000"/>
+            <a:ext cx="2786400" cy="757200"/>
           </a:xfrm>
           <a:prstGeom prst="rect">
             <a:avLst/>
@@ -20483,22 +20910,17 @@
           </a:bodyPr>
           <a:lstStyle/>
           <a:p>
-            <a:pPr marL="171450" marR="0" lvl="0" indent="-114300" algn="l" rtl="0">
-              <a:lnSpc>
-                <a:spcPct val="100000"/>
-              </a:lnSpc>
-              <a:spcBef>
-                <a:spcPts val="0"/>
-              </a:spcBef>
-              <a:spcAft>
-                <a:spcPts val="0"/>
-              </a:spcAft>
-              <a:buClr>
-                <a:srgbClr val="FF0000"/>
-              </a:buClr>
-              <a:buSzPts val="900"/>
-              <a:buFont typeface="Calibri"/>
-              <a:buChar char="●"/>
+            <a:pPr marL="0" marR="0" lvl="0" indent="0" algn="l" rtl="0">
+              <a:lnSpc>
+                <a:spcPct val="100000"/>
+              </a:lnSpc>
+              <a:spcBef>
+                <a:spcPts val="0"/>
+              </a:spcBef>
+              <a:spcAft>
+                <a:spcPts val="0"/>
+              </a:spcAft>
+              <a:buNone/>
             </a:pPr>
             <a:r>
               <a:rPr lang="en" sz="1200" b="1">
@@ -20510,7 +20932,7 @@
                 <a:cs typeface="Calibri"/>
                 <a:sym typeface="Calibri"/>
               </a:rPr>
-              <a:t>Mira Murati’s "Thinking Machines Lab" startup</a:t>
+              <a:t>Cursor AI is valued at $9.6B</a:t>
             </a:r>
             <a:endParaRPr sz="1200" b="1">
               <a:solidFill>
@@ -20523,44 +20945,21 @@
             </a:endParaRPr>
           </a:p>
           <a:p>
-            <a:pPr marL="171450" marR="0" lvl="0" indent="-114300" algn="l" rtl="0">
-              <a:lnSpc>
-                <a:spcPct val="100000"/>
-              </a:lnSpc>
-              <a:spcBef>
-                <a:spcPts val="0"/>
-              </a:spcBef>
-              <a:spcAft>
-                <a:spcPts val="0"/>
-              </a:spcAft>
-              <a:buSzPts val="900"/>
-              <a:buFont typeface="Calibri"/>
-              <a:buChar char="●"/>
-            </a:pPr>
-            <a:r>
-              <a:rPr lang="en" sz="1200">
-                <a:latin typeface="Calibri"/>
-                <a:ea typeface="Calibri"/>
-                <a:cs typeface="Calibri"/>
-                <a:sym typeface="Calibri"/>
-              </a:rPr>
-              <a:t>is in talks to receive a </a:t>
-            </a:r>
-            <a:r>
-              <a:rPr lang="en" sz="1200" b="1">
-                <a:solidFill>
-                  <a:srgbClr val="3C78D8"/>
-                </a:solidFill>
-                <a:latin typeface="Calibri"/>
-                <a:ea typeface="Calibri"/>
-                <a:cs typeface="Calibri"/>
-                <a:sym typeface="Calibri"/>
-              </a:rPr>
-              <a:t>$2B seed funding at $10B Valuation</a:t>
-            </a:r>
+            <a:pPr marL="0" marR="0" lvl="0" indent="0" algn="l" rtl="0">
+              <a:lnSpc>
+                <a:spcPct val="100000"/>
+              </a:lnSpc>
+              <a:spcBef>
+                <a:spcPts val="0"/>
+              </a:spcBef>
+              <a:spcAft>
+                <a:spcPts val="0"/>
+              </a:spcAft>
+              <a:buNone/>
+            </a:pPr>
             <a:endParaRPr sz="1200" b="1">
               <a:solidFill>
-                <a:srgbClr val="3C78D8"/>
+                <a:srgbClr val="FF0000"/>
               </a:solidFill>
               <a:latin typeface="Calibri"/>
               <a:ea typeface="Calibri"/>
@@ -20569,20 +20968,30 @@
             </a:endParaRPr>
           </a:p>
           <a:p>
-            <a:pPr marL="171450" marR="0" lvl="0" indent="-114300" algn="l" rtl="0">
-              <a:lnSpc>
-                <a:spcPct val="100000"/>
-              </a:lnSpc>
-              <a:spcBef>
-                <a:spcPts val="0"/>
-              </a:spcBef>
-              <a:spcAft>
-                <a:spcPts val="0"/>
-              </a:spcAft>
-              <a:buSzPts val="900"/>
-              <a:buFont typeface="Calibri"/>
-              <a:buChar char="●"/>
-            </a:pPr>
+            <a:pPr marL="0" marR="0" lvl="0" indent="0" algn="l" rtl="0">
+              <a:lnSpc>
+                <a:spcPct val="100000"/>
+              </a:lnSpc>
+              <a:spcBef>
+                <a:spcPts val="0"/>
+              </a:spcBef>
+              <a:spcAft>
+                <a:spcPts val="0"/>
+              </a:spcAft>
+              <a:buNone/>
+            </a:pPr>
+            <a:r>
+              <a:rPr lang="en" sz="1200" b="1">
+                <a:solidFill>
+                  <a:srgbClr val="FF0000"/>
+                </a:solidFill>
+                <a:latin typeface="Calibri"/>
+                <a:ea typeface="Calibri"/>
+                <a:cs typeface="Calibri"/>
+                <a:sym typeface="Calibri"/>
+              </a:rPr>
+              <a:t>Codeium (now known as Windsurf)</a:t>
+            </a:r>
             <a:r>
               <a:rPr lang="en" sz="1200">
                 <a:latin typeface="Calibri"/>
@@ -20590,7 +20999,28 @@
                 <a:cs typeface="Calibri"/>
                 <a:sym typeface="Calibri"/>
               </a:rPr>
-              <a:t>While the company has yet to unveil a product, it has quietly assembled a high-powered founding team—reportedly including key OpenAI veterans like Bob McGrew, Alec Radford, and John Schulman.</a:t>
+              <a:t> is in talks to raise funding at a </a:t>
+            </a:r>
+            <a:r>
+              <a:rPr lang="en" sz="1200" b="1">
+                <a:solidFill>
+                  <a:srgbClr val="FF0000"/>
+                </a:solidFill>
+                <a:latin typeface="Calibri"/>
+                <a:ea typeface="Calibri"/>
+                <a:cs typeface="Calibri"/>
+                <a:sym typeface="Calibri"/>
+              </a:rPr>
+              <a:t>$2.85B</a:t>
+            </a:r>
+            <a:r>
+              <a:rPr lang="en" sz="1200">
+                <a:latin typeface="Calibri"/>
+                <a:ea typeface="Calibri"/>
+                <a:cs typeface="Calibri"/>
+                <a:sym typeface="Calibri"/>
+              </a:rPr>
+              <a:t> valuation</a:t>
             </a:r>
             <a:endParaRPr sz="1200">
               <a:latin typeface="Calibri"/>
@@ -20603,12 +21033,12 @@
       </p:sp>
       <p:pic>
         <p:nvPicPr>
-          <p:cNvPr id="224" name="Google Shape;224;p31"/>
+          <p:cNvPr id="230" name="Google Shape;230;p31"/>
           <p:cNvPicPr preferRelativeResize="0"/>
           <p:nvPr/>
         </p:nvPicPr>
         <p:blipFill>
-          <a:blip r:embed="rId5" cstate="email">
+          <a:blip r:embed="rId7" cstate="email">
             <a:alphaModFix/>
             <a:extLst>
               <a:ext uri="{28A0092B-C50C-407E-A947-70E740481C1C}">
@@ -20622,8 +21052,8 @@
         </p:blipFill>
         <p:spPr>
           <a:xfrm>
-            <a:off x="4956975" y="3556121"/>
-            <a:ext cx="2377549" cy="1337374"/>
+            <a:off x="5381882" y="3941207"/>
+            <a:ext cx="1197350" cy="796798"/>
           </a:xfrm>
           <a:prstGeom prst="rect">
             <a:avLst/>
@@ -20642,12 +21072,12 @@
       </p:pic>
       <p:pic>
         <p:nvPicPr>
-          <p:cNvPr id="225" name="Google Shape;225;p31"/>
+          <p:cNvPr id="231" name="Google Shape;231;p31"/>
           <p:cNvPicPr preferRelativeResize="0"/>
           <p:nvPr/>
         </p:nvPicPr>
         <p:blipFill>
-          <a:blip r:embed="rId6" cstate="email">
+          <a:blip r:embed="rId8" cstate="email">
             <a:alphaModFix/>
             <a:extLst>
               <a:ext uri="{28A0092B-C50C-407E-A947-70E740481C1C}">
@@ -20661,8 +21091,86 @@
         </p:blipFill>
         <p:spPr>
           <a:xfrm>
-            <a:off x="4956975" y="678275"/>
-            <a:ext cx="3248724" cy="2165801"/>
+            <a:off x="7773393" y="294475"/>
+            <a:ext cx="1165675" cy="654950"/>
+          </a:xfrm>
+          <a:prstGeom prst="rect">
+            <a:avLst/>
+          </a:prstGeom>
+          <a:noFill/>
+          <a:ln w="9525" cap="flat" cmpd="sng">
+            <a:solidFill>
+              <a:srgbClr val="FF0000"/>
+            </a:solidFill>
+            <a:prstDash val="solid"/>
+            <a:round/>
+            <a:headEnd type="none" w="sm" len="sm"/>
+            <a:tailEnd type="none" w="sm" len="sm"/>
+          </a:ln>
+        </p:spPr>
+      </p:pic>
+      <p:pic>
+        <p:nvPicPr>
+          <p:cNvPr id="232" name="Google Shape;232;p31"/>
+          <p:cNvPicPr preferRelativeResize="0"/>
+          <p:nvPr/>
+        </p:nvPicPr>
+        <p:blipFill>
+          <a:blip r:embed="rId9" cstate="email">
+            <a:alphaModFix/>
+            <a:extLst>
+              <a:ext uri="{28A0092B-C50C-407E-A947-70E740481C1C}">
+                <a14:useLocalDpi xmlns:a14="http://schemas.microsoft.com/office/drawing/2010/main"/>
+              </a:ext>
+            </a:extLst>
+          </a:blip>
+          <a:stretch>
+            <a:fillRect/>
+          </a:stretch>
+        </p:blipFill>
+        <p:spPr>
+          <a:xfrm>
+            <a:off x="5889593" y="321263"/>
+            <a:ext cx="1276975" cy="601375"/>
+          </a:xfrm>
+          <a:prstGeom prst="rect">
+            <a:avLst/>
+          </a:prstGeom>
+          <a:noFill/>
+          <a:ln w="9525" cap="flat" cmpd="sng">
+            <a:solidFill>
+              <a:srgbClr val="FF0000"/>
+            </a:solidFill>
+            <a:prstDash val="solid"/>
+            <a:round/>
+            <a:headEnd type="none" w="sm" len="sm"/>
+            <a:tailEnd type="none" w="sm" len="sm"/>
+          </a:ln>
+        </p:spPr>
+      </p:pic>
+      <p:pic>
+        <p:nvPicPr>
+          <p:cNvPr id="233" name="Google Shape;233;p31"/>
+          <p:cNvPicPr preferRelativeResize="0"/>
+          <p:nvPr/>
+        </p:nvPicPr>
+        <p:blipFill>
+          <a:blip r:embed="rId8" cstate="email">
+            <a:alphaModFix/>
+            <a:extLst>
+              <a:ext uri="{28A0092B-C50C-407E-A947-70E740481C1C}">
+                <a14:useLocalDpi xmlns:a14="http://schemas.microsoft.com/office/drawing/2010/main"/>
+              </a:ext>
+            </a:extLst>
+          </a:blip>
+          <a:stretch>
+            <a:fillRect/>
+          </a:stretch>
+        </p:blipFill>
+        <p:spPr>
+          <a:xfrm>
+            <a:off x="1136193" y="4006305"/>
+            <a:ext cx="1165675" cy="654950"/>
           </a:xfrm>
           <a:prstGeom prst="rect">
             <a:avLst/>
@@ -20692,7 +21200,7 @@
   <p:cSld>
     <p:spTree>
       <p:nvGrpSpPr>
-        <p:cNvPr id="1" name="Shape 229"/>
+        <p:cNvPr id="1" name="Shape 237"/>
         <p:cNvGrpSpPr/>
         <p:nvPr/>
       </p:nvGrpSpPr>
@@ -20706,7 +21214,7 @@
       </p:grpSpPr>
       <p:sp>
         <p:nvSpPr>
-          <p:cNvPr id="230" name="Google Shape;230;p32"/>
+          <p:cNvPr id="238" name="Google Shape;238;p32"/>
           <p:cNvSpPr txBox="1"/>
           <p:nvPr/>
         </p:nvSpPr>
@@ -20772,7 +21280,7 @@
       </p:sp>
       <p:sp>
         <p:nvSpPr>
-          <p:cNvPr id="231" name="Google Shape;231;p32"/>
+          <p:cNvPr id="239" name="Google Shape;239;p32"/>
           <p:cNvSpPr txBox="1"/>
           <p:nvPr/>
         </p:nvSpPr>
@@ -21166,7 +21674,7 @@
       </p:sp>
       <p:pic>
         <p:nvPicPr>
-          <p:cNvPr id="232" name="Google Shape;232;p32"/>
+          <p:cNvPr id="240" name="Google Shape;240;p32"/>
           <p:cNvPicPr preferRelativeResize="0"/>
           <p:nvPr/>
         </p:nvPicPr>
@@ -21209,7 +21717,7 @@
   <p:cSld>
     <p:spTree>
       <p:nvGrpSpPr>
-        <p:cNvPr id="1" name="Shape 236"/>
+        <p:cNvPr id="1" name="Shape 244"/>
         <p:cNvGrpSpPr/>
         <p:nvPr/>
       </p:nvGrpSpPr>
@@ -21223,7 +21731,7 @@
       </p:grpSpPr>
       <p:sp>
         <p:nvSpPr>
-          <p:cNvPr id="237" name="Google Shape;237;p33"/>
+          <p:cNvPr id="245" name="Google Shape;245;p33"/>
           <p:cNvSpPr txBox="1"/>
           <p:nvPr/>
         </p:nvSpPr>
@@ -21390,7 +21898,7 @@
       </p:sp>
       <p:sp>
         <p:nvSpPr>
-          <p:cNvPr id="238" name="Google Shape;238;p33"/>
+          <p:cNvPr id="246" name="Google Shape;246;p33"/>
           <p:cNvSpPr txBox="1"/>
           <p:nvPr/>
         </p:nvSpPr>
@@ -21456,7 +21964,7 @@
       </p:sp>
       <p:sp>
         <p:nvSpPr>
-          <p:cNvPr id="239" name="Google Shape;239;p33"/>
+          <p:cNvPr id="247" name="Google Shape;247;p33"/>
           <p:cNvSpPr txBox="1"/>
           <p:nvPr/>
         </p:nvSpPr>
@@ -21629,7 +22137,7 @@
       </p:sp>
       <p:sp>
         <p:nvSpPr>
-          <p:cNvPr id="240" name="Google Shape;240;p33"/>
+          <p:cNvPr id="248" name="Google Shape;248;p33"/>
           <p:cNvSpPr txBox="1"/>
           <p:nvPr/>
         </p:nvSpPr>
@@ -21703,7 +22211,7 @@
       </p:sp>
       <p:sp>
         <p:nvSpPr>
-          <p:cNvPr id="241" name="Google Shape;241;p33"/>
+          <p:cNvPr id="249" name="Google Shape;249;p33"/>
           <p:cNvSpPr txBox="1"/>
           <p:nvPr/>
         </p:nvSpPr>
@@ -21873,7 +22381,7 @@
       </p:sp>
       <p:sp>
         <p:nvSpPr>
-          <p:cNvPr id="242" name="Google Shape;242;p33"/>
+          <p:cNvPr id="250" name="Google Shape;250;p33"/>
           <p:cNvSpPr txBox="1"/>
           <p:nvPr/>
         </p:nvSpPr>
@@ -21947,7 +22455,7 @@
       </p:sp>
       <p:sp>
         <p:nvSpPr>
-          <p:cNvPr id="243" name="Google Shape;243;p33"/>
+          <p:cNvPr id="251" name="Google Shape;251;p33"/>
           <p:cNvSpPr txBox="1"/>
           <p:nvPr/>
         </p:nvSpPr>
@@ -22025,7 +22533,7 @@
       </p:sp>
       <p:sp>
         <p:nvSpPr>
-          <p:cNvPr id="244" name="Google Shape;244;p33"/>
+          <p:cNvPr id="252" name="Google Shape;252;p33"/>
           <p:cNvSpPr/>
           <p:nvPr/>
         </p:nvSpPr>
@@ -22087,7 +22595,7 @@
       </p:sp>
       <p:sp>
         <p:nvSpPr>
-          <p:cNvPr id="245" name="Google Shape;245;p33"/>
+          <p:cNvPr id="253" name="Google Shape;253;p33"/>
           <p:cNvSpPr/>
           <p:nvPr/>
         </p:nvSpPr>
@@ -22149,7 +22657,7 @@
       </p:sp>
       <p:sp>
         <p:nvSpPr>
-          <p:cNvPr id="246" name="Google Shape;246;p33"/>
+          <p:cNvPr id="254" name="Google Shape;254;p33"/>
           <p:cNvSpPr/>
           <p:nvPr/>
         </p:nvSpPr>
@@ -22211,7 +22719,7 @@
       </p:sp>
       <p:sp>
         <p:nvSpPr>
-          <p:cNvPr id="247" name="Google Shape;247;p33"/>
+          <p:cNvPr id="255" name="Google Shape;255;p33"/>
           <p:cNvSpPr/>
           <p:nvPr/>
         </p:nvSpPr>
@@ -22273,7 +22781,7 @@
       </p:sp>
       <p:sp>
         <p:nvSpPr>
-          <p:cNvPr id="248" name="Google Shape;248;p33"/>
+          <p:cNvPr id="256" name="Google Shape;256;p33"/>
           <p:cNvSpPr txBox="1"/>
           <p:nvPr/>
         </p:nvSpPr>
@@ -22351,7 +22859,7 @@
       </p:sp>
       <p:sp>
         <p:nvSpPr>
-          <p:cNvPr id="249" name="Google Shape;249;p33"/>
+          <p:cNvPr id="257" name="Google Shape;257;p33"/>
           <p:cNvSpPr/>
           <p:nvPr/>
         </p:nvSpPr>
@@ -22413,7 +22921,7 @@
       </p:sp>
       <p:sp>
         <p:nvSpPr>
-          <p:cNvPr id="250" name="Google Shape;250;p33"/>
+          <p:cNvPr id="258" name="Google Shape;258;p33"/>
           <p:cNvSpPr/>
           <p:nvPr/>
         </p:nvSpPr>
@@ -22475,7 +22983,7 @@
       </p:sp>
       <p:sp>
         <p:nvSpPr>
-          <p:cNvPr id="251" name="Google Shape;251;p33"/>
+          <p:cNvPr id="259" name="Google Shape;259;p33"/>
           <p:cNvSpPr/>
           <p:nvPr/>
         </p:nvSpPr>
@@ -22537,7 +23045,7 @@
       </p:sp>
       <p:sp>
         <p:nvSpPr>
-          <p:cNvPr id="252" name="Google Shape;252;p33"/>
+          <p:cNvPr id="260" name="Google Shape;260;p33"/>
           <p:cNvSpPr/>
           <p:nvPr/>
         </p:nvSpPr>
@@ -22599,7 +23107,7 @@
       </p:sp>
       <p:sp>
         <p:nvSpPr>
-          <p:cNvPr id="253" name="Google Shape;253;p33"/>
+          <p:cNvPr id="261" name="Google Shape;261;p33"/>
           <p:cNvSpPr/>
           <p:nvPr/>
         </p:nvSpPr>
@@ -22661,7 +23169,7 @@
       </p:sp>
       <p:sp>
         <p:nvSpPr>
-          <p:cNvPr id="254" name="Google Shape;254;p33"/>
+          <p:cNvPr id="262" name="Google Shape;262;p33"/>
           <p:cNvSpPr/>
           <p:nvPr/>
         </p:nvSpPr>
@@ -22723,7 +23231,7 @@
       </p:sp>
       <p:sp>
         <p:nvSpPr>
-          <p:cNvPr id="255" name="Google Shape;255;p33"/>
+          <p:cNvPr id="263" name="Google Shape;263;p33"/>
           <p:cNvSpPr/>
           <p:nvPr/>
         </p:nvSpPr>
@@ -22785,7 +23293,7 @@
       </p:sp>
       <p:sp>
         <p:nvSpPr>
-          <p:cNvPr id="256" name="Google Shape;256;p33"/>
+          <p:cNvPr id="264" name="Google Shape;264;p33"/>
           <p:cNvSpPr txBox="1"/>
           <p:nvPr/>
         </p:nvSpPr>
@@ -22863,7 +23371,7 @@
       </p:sp>
       <p:sp>
         <p:nvSpPr>
-          <p:cNvPr id="257" name="Google Shape;257;p33"/>
+          <p:cNvPr id="265" name="Google Shape;265;p33"/>
           <p:cNvSpPr txBox="1"/>
           <p:nvPr/>
         </p:nvSpPr>
@@ -22941,7 +23449,7 @@
       </p:sp>
       <p:sp>
         <p:nvSpPr>
-          <p:cNvPr id="258" name="Google Shape;258;p33"/>
+          <p:cNvPr id="266" name="Google Shape;266;p33"/>
           <p:cNvSpPr/>
           <p:nvPr/>
         </p:nvSpPr>
@@ -23003,7 +23511,7 @@
       </p:sp>
       <p:sp>
         <p:nvSpPr>
-          <p:cNvPr id="259" name="Google Shape;259;p33"/>
+          <p:cNvPr id="267" name="Google Shape;267;p33"/>
           <p:cNvSpPr txBox="1"/>
           <p:nvPr/>
         </p:nvSpPr>
@@ -23081,7 +23589,7 @@
       </p:sp>
       <p:sp>
         <p:nvSpPr>
-          <p:cNvPr id="260" name="Google Shape;260;p33"/>
+          <p:cNvPr id="268" name="Google Shape;268;p33"/>
           <p:cNvSpPr/>
           <p:nvPr/>
         </p:nvSpPr>
@@ -23143,7 +23651,7 @@
       </p:sp>
       <p:sp>
         <p:nvSpPr>
-          <p:cNvPr id="261" name="Google Shape;261;p33"/>
+          <p:cNvPr id="269" name="Google Shape;269;p33"/>
           <p:cNvSpPr/>
           <p:nvPr/>
         </p:nvSpPr>
@@ -23205,7 +23713,7 @@
       </p:sp>
       <p:sp>
         <p:nvSpPr>
-          <p:cNvPr id="262" name="Google Shape;262;p33"/>
+          <p:cNvPr id="270" name="Google Shape;270;p33"/>
           <p:cNvSpPr txBox="1"/>
           <p:nvPr/>
         </p:nvSpPr>
@@ -23283,7 +23791,7 @@
       </p:sp>
       <p:sp>
         <p:nvSpPr>
-          <p:cNvPr id="263" name="Google Shape;263;p33"/>
+          <p:cNvPr id="271" name="Google Shape;271;p33"/>
           <p:cNvSpPr txBox="1"/>
           <p:nvPr/>
         </p:nvSpPr>
@@ -23357,7 +23865,7 @@
       </p:sp>
       <p:sp>
         <p:nvSpPr>
-          <p:cNvPr id="264" name="Google Shape;264;p33"/>
+          <p:cNvPr id="272" name="Google Shape;272;p33"/>
           <p:cNvSpPr txBox="1"/>
           <p:nvPr/>
         </p:nvSpPr>
@@ -23431,7 +23939,7 @@
       </p:sp>
       <p:sp>
         <p:nvSpPr>
-          <p:cNvPr id="265" name="Google Shape;265;p33"/>
+          <p:cNvPr id="273" name="Google Shape;273;p33"/>
           <p:cNvSpPr/>
           <p:nvPr/>
         </p:nvSpPr>
@@ -23493,7 +24001,7 @@
       </p:sp>
       <p:sp>
         <p:nvSpPr>
-          <p:cNvPr id="266" name="Google Shape;266;p33"/>
+          <p:cNvPr id="274" name="Google Shape;274;p33"/>
           <p:cNvSpPr/>
           <p:nvPr/>
         </p:nvSpPr>
@@ -23555,7 +24063,7 @@
       </p:sp>
       <p:sp>
         <p:nvSpPr>
-          <p:cNvPr id="267" name="Google Shape;267;p33"/>
+          <p:cNvPr id="275" name="Google Shape;275;p33"/>
           <p:cNvSpPr/>
           <p:nvPr/>
         </p:nvSpPr>
@@ -23617,7 +24125,7 @@
       </p:sp>
       <p:sp>
         <p:nvSpPr>
-          <p:cNvPr id="268" name="Google Shape;268;p33"/>
+          <p:cNvPr id="276" name="Google Shape;276;p33"/>
           <p:cNvSpPr/>
           <p:nvPr/>
         </p:nvSpPr>
@@ -23679,7 +24187,7 @@
       </p:sp>
       <p:sp>
         <p:nvSpPr>
-          <p:cNvPr id="269" name="Google Shape;269;p33"/>
+          <p:cNvPr id="277" name="Google Shape;277;p33"/>
           <p:cNvSpPr/>
           <p:nvPr/>
         </p:nvSpPr>
@@ -23741,7 +24249,7 @@
       </p:sp>
       <p:sp>
         <p:nvSpPr>
-          <p:cNvPr id="270" name="Google Shape;270;p33"/>
+          <p:cNvPr id="278" name="Google Shape;278;p33"/>
           <p:cNvSpPr/>
           <p:nvPr/>
         </p:nvSpPr>
@@ -23803,7 +24311,7 @@
       </p:sp>
       <p:sp>
         <p:nvSpPr>
-          <p:cNvPr id="271" name="Google Shape;271;p33"/>
+          <p:cNvPr id="279" name="Google Shape;279;p33"/>
           <p:cNvSpPr/>
           <p:nvPr/>
         </p:nvSpPr>
@@ -23865,7 +24373,7 @@
       </p:sp>
       <p:sp>
         <p:nvSpPr>
-          <p:cNvPr id="272" name="Google Shape;272;p33"/>
+          <p:cNvPr id="280" name="Google Shape;280;p33"/>
           <p:cNvSpPr txBox="1"/>
           <p:nvPr/>
         </p:nvSpPr>
@@ -23943,7 +24451,7 @@
       </p:sp>
       <p:sp>
         <p:nvSpPr>
-          <p:cNvPr id="273" name="Google Shape;273;p33"/>
+          <p:cNvPr id="281" name="Google Shape;281;p33"/>
           <p:cNvSpPr/>
           <p:nvPr/>
         </p:nvSpPr>
@@ -24005,7 +24513,7 @@
       </p:sp>
       <p:sp>
         <p:nvSpPr>
-          <p:cNvPr id="274" name="Google Shape;274;p33"/>
+          <p:cNvPr id="282" name="Google Shape;282;p33"/>
           <p:cNvSpPr/>
           <p:nvPr/>
         </p:nvSpPr>
@@ -24067,7 +24575,7 @@
       </p:sp>
       <p:sp>
         <p:nvSpPr>
-          <p:cNvPr id="275" name="Google Shape;275;p33"/>
+          <p:cNvPr id="283" name="Google Shape;283;p33"/>
           <p:cNvSpPr/>
           <p:nvPr/>
         </p:nvSpPr>
@@ -24129,7 +24637,7 @@
       </p:sp>
       <p:sp>
         <p:nvSpPr>
-          <p:cNvPr id="276" name="Google Shape;276;p33"/>
+          <p:cNvPr id="284" name="Google Shape;284;p33"/>
           <p:cNvSpPr/>
           <p:nvPr/>
         </p:nvSpPr>
@@ -24191,7 +24699,7 @@
       </p:sp>
       <p:sp>
         <p:nvSpPr>
-          <p:cNvPr id="277" name="Google Shape;277;p33"/>
+          <p:cNvPr id="285" name="Google Shape;285;p33"/>
           <p:cNvSpPr/>
           <p:nvPr/>
         </p:nvSpPr>
@@ -24253,7 +24761,7 @@
       </p:sp>
       <p:sp>
         <p:nvSpPr>
-          <p:cNvPr id="278" name="Google Shape;278;p33"/>
+          <p:cNvPr id="286" name="Google Shape;286;p33"/>
           <p:cNvSpPr txBox="1"/>
           <p:nvPr/>
         </p:nvSpPr>
@@ -24331,7 +24839,7 @@
       </p:sp>
       <p:sp>
         <p:nvSpPr>
-          <p:cNvPr id="279" name="Google Shape;279;p33"/>
+          <p:cNvPr id="287" name="Google Shape;287;p33"/>
           <p:cNvSpPr/>
           <p:nvPr/>
         </p:nvSpPr>
@@ -24393,7 +24901,7 @@
       </p:sp>
       <p:sp>
         <p:nvSpPr>
-          <p:cNvPr id="280" name="Google Shape;280;p33"/>
+          <p:cNvPr id="288" name="Google Shape;288;p33"/>
           <p:cNvSpPr/>
           <p:nvPr/>
         </p:nvSpPr>
@@ -24455,7 +24963,7 @@
       </p:sp>
       <p:sp>
         <p:nvSpPr>
-          <p:cNvPr id="281" name="Google Shape;281;p33"/>
+          <p:cNvPr id="289" name="Google Shape;289;p33"/>
           <p:cNvSpPr txBox="1"/>
           <p:nvPr/>
         </p:nvSpPr>
@@ -24533,7 +25041,7 @@
       </p:sp>
       <p:sp>
         <p:nvSpPr>
-          <p:cNvPr id="282" name="Google Shape;282;p33"/>
+          <p:cNvPr id="290" name="Google Shape;290;p33"/>
           <p:cNvSpPr/>
           <p:nvPr/>
         </p:nvSpPr>
@@ -24595,7 +25103,7 @@
       </p:sp>
       <p:sp>
         <p:nvSpPr>
-          <p:cNvPr id="283" name="Google Shape;283;p33"/>
+          <p:cNvPr id="291" name="Google Shape;291;p33"/>
           <p:cNvSpPr/>
           <p:nvPr/>
         </p:nvSpPr>
@@ -24657,7 +25165,7 @@
       </p:sp>
       <p:sp>
         <p:nvSpPr>
-          <p:cNvPr id="284" name="Google Shape;284;p33"/>
+          <p:cNvPr id="292" name="Google Shape;292;p33"/>
           <p:cNvSpPr txBox="1"/>
           <p:nvPr/>
         </p:nvSpPr>
@@ -24735,7 +25243,7 @@
       </p:sp>
       <p:sp>
         <p:nvSpPr>
-          <p:cNvPr id="285" name="Google Shape;285;p33"/>
+          <p:cNvPr id="293" name="Google Shape;293;p33"/>
           <p:cNvSpPr txBox="1"/>
           <p:nvPr/>
         </p:nvSpPr>
@@ -24801,7 +25309,7 @@
       </p:sp>
       <p:pic>
         <p:nvPicPr>
-          <p:cNvPr id="286" name="Google Shape;286;p33"/>
+          <p:cNvPr id="294" name="Google Shape;294;p33"/>
           <p:cNvPicPr preferRelativeResize="0"/>
           <p:nvPr/>
         </p:nvPicPr>
@@ -24840,7 +25348,7 @@
       </p:pic>
       <p:pic>
         <p:nvPicPr>
-          <p:cNvPr id="287" name="Google Shape;287;p33"/>
+          <p:cNvPr id="295" name="Google Shape;295;p33"/>
           <p:cNvPicPr preferRelativeResize="0"/>
           <p:nvPr/>
         </p:nvPicPr>
@@ -24879,7 +25387,7 @@
       </p:pic>
       <p:sp>
         <p:nvSpPr>
-          <p:cNvPr id="288" name="Google Shape;288;p33"/>
+          <p:cNvPr id="296" name="Google Shape;296;p33"/>
           <p:cNvSpPr txBox="1"/>
           <p:nvPr/>
         </p:nvSpPr>
@@ -24957,7 +25465,7 @@
       </p:sp>
       <p:sp>
         <p:nvSpPr>
-          <p:cNvPr id="289" name="Google Shape;289;p33"/>
+          <p:cNvPr id="297" name="Google Shape;297;p33"/>
           <p:cNvSpPr txBox="1"/>
           <p:nvPr/>
         </p:nvSpPr>
@@ -25131,7 +25639,7 @@
       </p:sp>
       <p:sp>
         <p:nvSpPr>
-          <p:cNvPr id="290" name="Google Shape;290;p33"/>
+          <p:cNvPr id="298" name="Google Shape;298;p33"/>
           <p:cNvSpPr/>
           <p:nvPr/>
         </p:nvSpPr>
@@ -25193,7 +25701,7 @@
       </p:sp>
       <p:sp>
         <p:nvSpPr>
-          <p:cNvPr id="291" name="Google Shape;291;p33"/>
+          <p:cNvPr id="299" name="Google Shape;299;p33"/>
           <p:cNvSpPr/>
           <p:nvPr/>
         </p:nvSpPr>
@@ -25255,7 +25763,7 @@
       </p:sp>
       <p:sp>
         <p:nvSpPr>
-          <p:cNvPr id="292" name="Google Shape;292;p33"/>
+          <p:cNvPr id="300" name="Google Shape;300;p33"/>
           <p:cNvSpPr txBox="1"/>
           <p:nvPr/>
         </p:nvSpPr>
@@ -25333,7 +25841,7 @@
       </p:sp>
       <p:sp>
         <p:nvSpPr>
-          <p:cNvPr id="293" name="Google Shape;293;p33"/>
+          <p:cNvPr id="301" name="Google Shape;301;p33"/>
           <p:cNvSpPr txBox="1"/>
           <p:nvPr/>
         </p:nvSpPr>
@@ -25411,7 +25919,7 @@
       </p:sp>
       <p:sp>
         <p:nvSpPr>
-          <p:cNvPr id="294" name="Google Shape;294;p33"/>
+          <p:cNvPr id="302" name="Google Shape;302;p33"/>
           <p:cNvSpPr/>
           <p:nvPr/>
         </p:nvSpPr>
@@ -25473,7 +25981,7 @@
       </p:sp>
       <p:sp>
         <p:nvSpPr>
-          <p:cNvPr id="295" name="Google Shape;295;p33"/>
+          <p:cNvPr id="303" name="Google Shape;303;p33"/>
           <p:cNvSpPr txBox="1"/>
           <p:nvPr/>
         </p:nvSpPr>
@@ -25551,7 +26059,7 @@
       </p:sp>
       <p:sp>
         <p:nvSpPr>
-          <p:cNvPr id="296" name="Google Shape;296;p33"/>
+          <p:cNvPr id="304" name="Google Shape;304;p33"/>
           <p:cNvSpPr/>
           <p:nvPr/>
         </p:nvSpPr>
@@ -25608,7 +26116,7 @@
   <p:cSld>
     <p:spTree>
       <p:nvGrpSpPr>
-        <p:cNvPr id="1" name="Shape 72"/>
+        <p:cNvPr id="1" name="Shape 73"/>
         <p:cNvGrpSpPr/>
         <p:nvPr/>
       </p:nvGrpSpPr>
@@ -25622,7 +26130,7 @@
       </p:grpSpPr>
       <p:sp>
         <p:nvSpPr>
-          <p:cNvPr id="73" name="Google Shape;73;p16"/>
+          <p:cNvPr id="74" name="Google Shape;74;p16"/>
           <p:cNvSpPr txBox="1"/>
           <p:nvPr/>
         </p:nvSpPr>
@@ -25688,7 +26196,7 @@
       </p:sp>
       <p:sp>
         <p:nvSpPr>
-          <p:cNvPr id="74" name="Google Shape;74;p16"/>
+          <p:cNvPr id="75" name="Google Shape;75;p16"/>
           <p:cNvSpPr txBox="1"/>
           <p:nvPr/>
         </p:nvSpPr>
@@ -26558,7 +27066,7 @@
       </p:sp>
       <p:pic>
         <p:nvPicPr>
-          <p:cNvPr id="75" name="Google Shape;75;p16"/>
+          <p:cNvPr id="76" name="Google Shape;76;p16"/>
           <p:cNvPicPr preferRelativeResize="0"/>
           <p:nvPr/>
         </p:nvPicPr>
@@ -26596,7 +27104,7 @@
       </p:pic>
       <p:pic>
         <p:nvPicPr>
-          <p:cNvPr id="76" name="Google Shape;76;p16"/>
+          <p:cNvPr id="77" name="Google Shape;77;p16"/>
           <p:cNvPicPr preferRelativeResize="0"/>
           <p:nvPr/>
         </p:nvPicPr>
@@ -26634,7 +27142,7 @@
       </p:pic>
       <p:pic>
         <p:nvPicPr>
-          <p:cNvPr id="77" name="Google Shape;77;p16"/>
+          <p:cNvPr id="78" name="Google Shape;78;p16"/>
           <p:cNvPicPr preferRelativeResize="0"/>
           <p:nvPr/>
         </p:nvPicPr>
@@ -26683,7 +27191,7 @@
   <p:cSld>
     <p:spTree>
       <p:nvGrpSpPr>
-        <p:cNvPr id="1" name="Shape 300"/>
+        <p:cNvPr id="1" name="Shape 308"/>
         <p:cNvGrpSpPr/>
         <p:nvPr/>
       </p:nvGrpSpPr>
@@ -26697,7 +27205,7 @@
       </p:grpSpPr>
       <p:pic>
         <p:nvPicPr>
-          <p:cNvPr id="301" name="Google Shape;301;p34"/>
+          <p:cNvPr id="309" name="Google Shape;309;p34"/>
           <p:cNvPicPr preferRelativeResize="0"/>
           <p:nvPr/>
         </p:nvPicPr>
@@ -26736,7 +27244,7 @@
       </p:pic>
       <p:sp>
         <p:nvSpPr>
-          <p:cNvPr id="302" name="Google Shape;302;p34"/>
+          <p:cNvPr id="310" name="Google Shape;310;p34"/>
           <p:cNvSpPr txBox="1"/>
           <p:nvPr/>
         </p:nvSpPr>
@@ -26811,13 +27319,13 @@
       </p:sp>
       <p:sp>
         <p:nvSpPr>
-          <p:cNvPr id="303" name="Google Shape;303;p34"/>
+          <p:cNvPr id="311" name="Google Shape;311;p34"/>
           <p:cNvSpPr txBox="1"/>
           <p:nvPr/>
         </p:nvSpPr>
         <p:spPr>
           <a:xfrm>
-            <a:off x="108050" y="708550"/>
+            <a:off x="108050" y="555000"/>
             <a:ext cx="4336800" cy="1434600"/>
           </a:xfrm>
           <a:prstGeom prst="rect">
@@ -27114,6 +27622,220 @@
           </a:p>
         </p:txBody>
       </p:sp>
+      <p:sp>
+        <p:nvSpPr>
+          <p:cNvPr id="312" name="Google Shape;312;p34"/>
+          <p:cNvSpPr txBox="1"/>
+          <p:nvPr/>
+        </p:nvSpPr>
+        <p:spPr>
+          <a:xfrm>
+            <a:off x="108050" y="2369950"/>
+            <a:ext cx="4336800" cy="2419500"/>
+          </a:xfrm>
+          <a:prstGeom prst="rect">
+            <a:avLst/>
+          </a:prstGeom>
+          <a:solidFill>
+            <a:srgbClr val="FFF2CC"/>
+          </a:solidFill>
+          <a:ln w="9525" cap="flat" cmpd="sng">
+            <a:solidFill>
+              <a:srgbClr val="FF0000"/>
+            </a:solidFill>
+            <a:prstDash val="solid"/>
+            <a:round/>
+            <a:headEnd type="none" w="sm" len="sm"/>
+            <a:tailEnd type="none" w="sm" len="sm"/>
+          </a:ln>
+        </p:spPr>
+        <p:txBody>
+          <a:bodyPr spcFirstLastPara="1" wrap="square" lIns="9125" tIns="9125" rIns="9125" bIns="9125" anchor="t" anchorCtr="0">
+            <a:spAutoFit/>
+          </a:bodyPr>
+          <a:lstStyle/>
+          <a:p>
+            <a:pPr marL="0" lvl="0" indent="0" algn="l" rtl="0">
+              <a:spcBef>
+                <a:spcPts val="0"/>
+              </a:spcBef>
+              <a:spcAft>
+                <a:spcPts val="0"/>
+              </a:spcAft>
+              <a:buNone/>
+            </a:pPr>
+            <a:r>
+              <a:rPr lang="en" sz="1200">
+                <a:solidFill>
+                  <a:schemeClr val="dk1"/>
+                </a:solidFill>
+                <a:latin typeface="Calibri"/>
+                <a:ea typeface="Calibri"/>
+                <a:cs typeface="Calibri"/>
+                <a:sym typeface="Calibri"/>
+              </a:rPr>
+              <a:t>There were several key factors that contributed to the massive tech layoffs in 2023:</a:t>
+            </a:r>
+            <a:endParaRPr sz="1200">
+              <a:solidFill>
+                <a:schemeClr val="dk1"/>
+              </a:solidFill>
+              <a:latin typeface="Calibri"/>
+              <a:ea typeface="Calibri"/>
+              <a:cs typeface="Calibri"/>
+              <a:sym typeface="Calibri"/>
+            </a:endParaRPr>
+          </a:p>
+          <a:p>
+            <a:pPr marL="228600" lvl="0" indent="-133350" algn="l" rtl="0">
+              <a:spcBef>
+                <a:spcPts val="0"/>
+              </a:spcBef>
+              <a:spcAft>
+                <a:spcPts val="0"/>
+              </a:spcAft>
+              <a:buClr>
+                <a:schemeClr val="dk1"/>
+              </a:buClr>
+              <a:buSzPts val="1200"/>
+              <a:buFont typeface="Calibri"/>
+              <a:buChar char="●"/>
+            </a:pPr>
+            <a:r>
+              <a:rPr lang="en" sz="1200">
+                <a:solidFill>
+                  <a:schemeClr val="dk1"/>
+                </a:solidFill>
+                <a:latin typeface="Calibri"/>
+                <a:ea typeface="Calibri"/>
+                <a:cs typeface="Calibri"/>
+                <a:sym typeface="Calibri"/>
+              </a:rPr>
+              <a:t>Correction after pandemic over-hiring</a:t>
+            </a:r>
+            <a:endParaRPr sz="1200">
+              <a:solidFill>
+                <a:schemeClr val="dk1"/>
+              </a:solidFill>
+              <a:latin typeface="Calibri"/>
+              <a:ea typeface="Calibri"/>
+              <a:cs typeface="Calibri"/>
+              <a:sym typeface="Calibri"/>
+            </a:endParaRPr>
+          </a:p>
+          <a:p>
+            <a:pPr marL="228600" lvl="0" indent="-133350" algn="l" rtl="0">
+              <a:spcBef>
+                <a:spcPts val="0"/>
+              </a:spcBef>
+              <a:spcAft>
+                <a:spcPts val="0"/>
+              </a:spcAft>
+              <a:buClr>
+                <a:schemeClr val="dk1"/>
+              </a:buClr>
+              <a:buSzPts val="1200"/>
+              <a:buFont typeface="Calibri"/>
+              <a:buChar char="●"/>
+            </a:pPr>
+            <a:r>
+              <a:rPr lang="en" sz="1200">
+                <a:solidFill>
+                  <a:schemeClr val="dk1"/>
+                </a:solidFill>
+                <a:latin typeface="Calibri"/>
+                <a:ea typeface="Calibri"/>
+                <a:cs typeface="Calibri"/>
+                <a:sym typeface="Calibri"/>
+              </a:rPr>
+              <a:t>Rising interest rates - the Federal Reserve significantly increased interest rates throughout 2022 and 2023 to combat inflation. This made capital more expensive and put pressure on tech companies to reduce costs</a:t>
+            </a:r>
+            <a:endParaRPr sz="1200">
+              <a:solidFill>
+                <a:schemeClr val="dk1"/>
+              </a:solidFill>
+              <a:latin typeface="Calibri"/>
+              <a:ea typeface="Calibri"/>
+              <a:cs typeface="Calibri"/>
+              <a:sym typeface="Calibri"/>
+            </a:endParaRPr>
+          </a:p>
+          <a:p>
+            <a:pPr marL="228600" lvl="0" indent="-133350" algn="l" rtl="0">
+              <a:spcBef>
+                <a:spcPts val="0"/>
+              </a:spcBef>
+              <a:spcAft>
+                <a:spcPts val="0"/>
+              </a:spcAft>
+              <a:buClr>
+                <a:schemeClr val="dk1"/>
+              </a:buClr>
+              <a:buSzPts val="1200"/>
+              <a:buFont typeface="Calibri"/>
+              <a:buChar char="●"/>
+            </a:pPr>
+            <a:r>
+              <a:rPr lang="en" sz="1200">
+                <a:solidFill>
+                  <a:schemeClr val="dk1"/>
+                </a:solidFill>
+                <a:latin typeface="Calibri"/>
+                <a:ea typeface="Calibri"/>
+                <a:cs typeface="Calibri"/>
+                <a:sym typeface="Calibri"/>
+              </a:rPr>
+              <a:t>Economic uncertainty - fears of recession and slower economic growth made investors more risk-averse, pushing tech companies to focus on profitability rather than growth</a:t>
+            </a:r>
+            <a:endParaRPr sz="1200">
+              <a:solidFill>
+                <a:schemeClr val="dk1"/>
+              </a:solidFill>
+              <a:latin typeface="Calibri"/>
+              <a:ea typeface="Calibri"/>
+              <a:cs typeface="Calibri"/>
+              <a:sym typeface="Calibri"/>
+            </a:endParaRPr>
+          </a:p>
+          <a:p>
+            <a:pPr marL="228600" lvl="0" indent="-133350" algn="l" rtl="0">
+              <a:spcBef>
+                <a:spcPts val="0"/>
+              </a:spcBef>
+              <a:spcAft>
+                <a:spcPts val="0"/>
+              </a:spcAft>
+              <a:buClr>
+                <a:schemeClr val="dk1"/>
+              </a:buClr>
+              <a:buSzPts val="1200"/>
+              <a:buFont typeface="Calibri"/>
+              <a:buChar char="●"/>
+            </a:pPr>
+            <a:r>
+              <a:rPr lang="en" sz="1200">
+                <a:solidFill>
+                  <a:schemeClr val="dk1"/>
+                </a:solidFill>
+                <a:latin typeface="Calibri"/>
+                <a:ea typeface="Calibri"/>
+                <a:cs typeface="Calibri"/>
+                <a:sym typeface="Calibri"/>
+              </a:rPr>
+              <a:t>AI investments - some companies were pivoting resources toward artificial intelligence, leading to restructuring and layoffs in other departments</a:t>
+            </a:r>
+            <a:endParaRPr sz="1200">
+              <a:solidFill>
+                <a:schemeClr val="dk1"/>
+              </a:solidFill>
+              <a:latin typeface="Calibri"/>
+              <a:ea typeface="Calibri"/>
+              <a:cs typeface="Calibri"/>
+              <a:sym typeface="Calibri"/>
+            </a:endParaRPr>
+          </a:p>
+        </p:txBody>
+      </p:sp>
     </p:spTree>
   </p:cSld>
   <p:clrMapOvr>
@@ -27127,7 +27849,7 @@
   <p:cSld>
     <p:spTree>
       <p:nvGrpSpPr>
-        <p:cNvPr id="1" name="Shape 307"/>
+        <p:cNvPr id="1" name="Shape 316"/>
         <p:cNvGrpSpPr/>
         <p:nvPr/>
       </p:nvGrpSpPr>
@@ -27141,7 +27863,7 @@
       </p:grpSpPr>
       <p:pic>
         <p:nvPicPr>
-          <p:cNvPr id="308" name="Google Shape;308;p35"/>
+          <p:cNvPr id="317" name="Google Shape;317;p35"/>
           <p:cNvPicPr preferRelativeResize="0"/>
           <p:nvPr/>
         </p:nvPicPr>
@@ -27173,7 +27895,7 @@
       </p:pic>
       <p:sp>
         <p:nvSpPr>
-          <p:cNvPr id="309" name="Google Shape;309;p35"/>
+          <p:cNvPr id="318" name="Google Shape;318;p35"/>
           <p:cNvSpPr txBox="1"/>
           <p:nvPr/>
         </p:nvSpPr>
@@ -27239,7 +27961,7 @@
       </p:sp>
       <p:sp>
         <p:nvSpPr>
-          <p:cNvPr id="310" name="Google Shape;310;p35"/>
+          <p:cNvPr id="319" name="Google Shape;319;p35"/>
           <p:cNvSpPr txBox="1"/>
           <p:nvPr/>
         </p:nvSpPr>
@@ -27669,7 +28391,7 @@
       </p:sp>
       <p:pic>
         <p:nvPicPr>
-          <p:cNvPr id="311" name="Google Shape;311;p35"/>
+          <p:cNvPr id="320" name="Google Shape;320;p35"/>
           <p:cNvPicPr preferRelativeResize="0"/>
           <p:nvPr/>
         </p:nvPicPr>
@@ -27701,7 +28423,7 @@
       </p:pic>
       <p:sp>
         <p:nvSpPr>
-          <p:cNvPr id="312" name="Google Shape;312;p35"/>
+          <p:cNvPr id="321" name="Google Shape;321;p35"/>
           <p:cNvSpPr txBox="1"/>
           <p:nvPr/>
         </p:nvSpPr>
@@ -27780,7 +28502,7 @@
       </p:sp>
       <p:sp>
         <p:nvSpPr>
-          <p:cNvPr id="313" name="Google Shape;313;p35"/>
+          <p:cNvPr id="322" name="Google Shape;322;p35"/>
           <p:cNvSpPr txBox="1"/>
           <p:nvPr/>
         </p:nvSpPr>
@@ -27857,7 +28579,7 @@
   <p:cSld>
     <p:spTree>
       <p:nvGrpSpPr>
-        <p:cNvPr id="1" name="Shape 317"/>
+        <p:cNvPr id="1" name="Shape 326"/>
         <p:cNvGrpSpPr/>
         <p:nvPr/>
       </p:nvGrpSpPr>
@@ -27871,7 +28593,7 @@
       </p:grpSpPr>
       <p:sp>
         <p:nvSpPr>
-          <p:cNvPr id="318" name="Google Shape;318;p36"/>
+          <p:cNvPr id="327" name="Google Shape;327;p36"/>
           <p:cNvSpPr txBox="1"/>
           <p:nvPr/>
         </p:nvSpPr>
@@ -27948,7 +28670,7 @@
   <p:cSld>
     <p:spTree>
       <p:nvGrpSpPr>
-        <p:cNvPr id="1" name="Shape 81"/>
+        <p:cNvPr id="1" name="Shape 82"/>
         <p:cNvGrpSpPr/>
         <p:nvPr/>
       </p:nvGrpSpPr>
@@ -27962,7 +28684,7 @@
       </p:grpSpPr>
       <p:sp>
         <p:nvSpPr>
-          <p:cNvPr id="82" name="Google Shape;82;p17"/>
+          <p:cNvPr id="83" name="Google Shape;83;p17"/>
           <p:cNvSpPr txBox="1"/>
           <p:nvPr/>
         </p:nvSpPr>
@@ -28028,7 +28750,7 @@
       </p:sp>
       <p:sp>
         <p:nvSpPr>
-          <p:cNvPr id="83" name="Google Shape;83;p17"/>
+          <p:cNvPr id="84" name="Google Shape;84;p17"/>
           <p:cNvSpPr txBox="1"/>
           <p:nvPr/>
         </p:nvSpPr>
@@ -28288,7 +29010,7 @@
       </p:sp>
       <p:pic>
         <p:nvPicPr>
-          <p:cNvPr id="84" name="Google Shape;84;p17"/>
+          <p:cNvPr id="85" name="Google Shape;85;p17"/>
           <p:cNvPicPr preferRelativeResize="0"/>
           <p:nvPr/>
         </p:nvPicPr>
@@ -28326,7 +29048,7 @@
       </p:pic>
       <p:pic>
         <p:nvPicPr>
-          <p:cNvPr id="85" name="Google Shape;85;p17"/>
+          <p:cNvPr id="86" name="Google Shape;86;p17"/>
           <p:cNvPicPr preferRelativeResize="0"/>
           <p:nvPr/>
         </p:nvPicPr>
@@ -28362,6 +29084,260 @@
           </a:ln>
         </p:spPr>
       </p:pic>
+      <p:sp>
+        <p:nvSpPr>
+          <p:cNvPr id="87" name="Google Shape;87;p17"/>
+          <p:cNvSpPr txBox="1"/>
+          <p:nvPr/>
+        </p:nvSpPr>
+        <p:spPr>
+          <a:xfrm>
+            <a:off x="4757050" y="4229304"/>
+            <a:ext cx="4347000" cy="864900"/>
+          </a:xfrm>
+          <a:prstGeom prst="rect">
+            <a:avLst/>
+          </a:prstGeom>
+          <a:solidFill>
+            <a:srgbClr val="FFF2CC"/>
+          </a:solidFill>
+          <a:ln w="9525" cap="flat" cmpd="sng">
+            <a:solidFill>
+              <a:srgbClr val="FF0000"/>
+            </a:solidFill>
+            <a:prstDash val="solid"/>
+            <a:round/>
+            <a:headEnd type="none" w="sm" len="sm"/>
+            <a:tailEnd type="none" w="sm" len="sm"/>
+          </a:ln>
+        </p:spPr>
+        <p:txBody>
+          <a:bodyPr spcFirstLastPara="1" wrap="square" lIns="9125" tIns="9125" rIns="9125" bIns="9125" anchor="t" anchorCtr="0">
+            <a:spAutoFit/>
+          </a:bodyPr>
+          <a:lstStyle/>
+          <a:p>
+            <a:pPr marL="0" marR="0" lvl="0" indent="0" algn="l" rtl="0">
+              <a:lnSpc>
+                <a:spcPct val="100000"/>
+              </a:lnSpc>
+              <a:spcBef>
+                <a:spcPts val="0"/>
+              </a:spcBef>
+              <a:spcAft>
+                <a:spcPts val="0"/>
+              </a:spcAft>
+              <a:buNone/>
+            </a:pPr>
+            <a:r>
+              <a:rPr lang="en" sz="1100" b="1">
+                <a:solidFill>
+                  <a:srgbClr val="FF0000"/>
+                </a:solidFill>
+                <a:latin typeface="Calibri"/>
+                <a:ea typeface="Calibri"/>
+                <a:cs typeface="Calibri"/>
+                <a:sym typeface="Calibri"/>
+              </a:rPr>
+              <a:t>Llama 4 on Ollama.ai</a:t>
+            </a:r>
+            <a:endParaRPr sz="1100" b="1">
+              <a:solidFill>
+                <a:srgbClr val="FF0000"/>
+              </a:solidFill>
+              <a:latin typeface="Calibri"/>
+              <a:ea typeface="Calibri"/>
+              <a:cs typeface="Calibri"/>
+              <a:sym typeface="Calibri"/>
+            </a:endParaRPr>
+          </a:p>
+          <a:p>
+            <a:pPr marL="171450" marR="0" lvl="0" indent="-127000" algn="l" rtl="0">
+              <a:lnSpc>
+                <a:spcPct val="100000"/>
+              </a:lnSpc>
+              <a:spcBef>
+                <a:spcPts val="0"/>
+              </a:spcBef>
+              <a:spcAft>
+                <a:spcPts val="0"/>
+              </a:spcAft>
+              <a:buClr>
+                <a:srgbClr val="131313"/>
+              </a:buClr>
+              <a:buSzPts val="1100"/>
+              <a:buFont typeface="Calibri"/>
+              <a:buChar char="●"/>
+            </a:pPr>
+            <a:r>
+              <a:rPr lang="en" sz="1100" u="sng">
+                <a:solidFill>
+                  <a:schemeClr val="hlink"/>
+                </a:solidFill>
+                <a:latin typeface="Calibri"/>
+                <a:ea typeface="Calibri"/>
+                <a:cs typeface="Calibri"/>
+                <a:sym typeface="Calibri"/>
+                <a:hlinkClick r:id="rId7"/>
+              </a:rPr>
+              <a:t>https://ollama.com/aravhawk/llama4</a:t>
+            </a:r>
+            <a:endParaRPr sz="1100">
+              <a:latin typeface="Calibri"/>
+              <a:ea typeface="Calibri"/>
+              <a:cs typeface="Calibri"/>
+              <a:sym typeface="Calibri"/>
+            </a:endParaRPr>
+          </a:p>
+          <a:p>
+            <a:pPr marL="171450" marR="0" lvl="0" indent="-127000" algn="l" rtl="0">
+              <a:lnSpc>
+                <a:spcPct val="100000"/>
+              </a:lnSpc>
+              <a:spcBef>
+                <a:spcPts val="0"/>
+              </a:spcBef>
+              <a:spcAft>
+                <a:spcPts val="0"/>
+              </a:spcAft>
+              <a:buClr>
+                <a:srgbClr val="131313"/>
+              </a:buClr>
+              <a:buSzPts val="1100"/>
+              <a:buFont typeface="Calibri"/>
+              <a:buChar char="●"/>
+            </a:pPr>
+            <a:r>
+              <a:rPr lang="en" sz="1100" u="sng">
+                <a:solidFill>
+                  <a:schemeClr val="hlink"/>
+                </a:solidFill>
+                <a:latin typeface="Calibri"/>
+                <a:ea typeface="Calibri"/>
+                <a:cs typeface="Calibri"/>
+                <a:sym typeface="Calibri"/>
+                <a:hlinkClick r:id="rId8"/>
+              </a:rPr>
+              <a:t>https://ollama.com/ZimaBlueAI/Llama-4-Scout-17B-16E-Instruct</a:t>
+            </a:r>
+            <a:endParaRPr sz="1100">
+              <a:latin typeface="Calibri"/>
+              <a:ea typeface="Calibri"/>
+              <a:cs typeface="Calibri"/>
+              <a:sym typeface="Calibri"/>
+            </a:endParaRPr>
+          </a:p>
+          <a:p>
+            <a:pPr marL="171450" marR="0" lvl="0" indent="-127000" algn="l" rtl="0">
+              <a:lnSpc>
+                <a:spcPct val="100000"/>
+              </a:lnSpc>
+              <a:spcBef>
+                <a:spcPts val="0"/>
+              </a:spcBef>
+              <a:spcAft>
+                <a:spcPts val="0"/>
+              </a:spcAft>
+              <a:buClr>
+                <a:srgbClr val="131313"/>
+              </a:buClr>
+              <a:buSzPts val="1100"/>
+              <a:buFont typeface="Calibri"/>
+              <a:buChar char="●"/>
+            </a:pPr>
+            <a:r>
+              <a:rPr lang="en" sz="1100" u="sng">
+                <a:solidFill>
+                  <a:schemeClr val="hlink"/>
+                </a:solidFill>
+                <a:latin typeface="Calibri"/>
+                <a:ea typeface="Calibri"/>
+                <a:cs typeface="Calibri"/>
+                <a:sym typeface="Calibri"/>
+                <a:hlinkClick r:id="rId9"/>
+              </a:rPr>
+              <a:t>https://ollama.com/ingu627/llama4-scout-q4</a:t>
+            </a:r>
+            <a:endParaRPr sz="1100">
+              <a:latin typeface="Calibri"/>
+              <a:ea typeface="Calibri"/>
+              <a:cs typeface="Calibri"/>
+              <a:sym typeface="Calibri"/>
+            </a:endParaRPr>
+          </a:p>
+          <a:p>
+            <a:pPr marL="171450" marR="0" lvl="0" indent="-127000" algn="l" rtl="0">
+              <a:lnSpc>
+                <a:spcPct val="100000"/>
+              </a:lnSpc>
+              <a:spcBef>
+                <a:spcPts val="0"/>
+              </a:spcBef>
+              <a:spcAft>
+                <a:spcPts val="0"/>
+              </a:spcAft>
+              <a:buClr>
+                <a:srgbClr val="131313"/>
+              </a:buClr>
+              <a:buSzPts val="1100"/>
+              <a:buFont typeface="Calibri"/>
+              <a:buChar char="●"/>
+            </a:pPr>
+            <a:r>
+              <a:rPr lang="en" sz="1100" u="sng">
+                <a:solidFill>
+                  <a:schemeClr val="hlink"/>
+                </a:solidFill>
+                <a:latin typeface="Calibri"/>
+                <a:ea typeface="Calibri"/>
+                <a:cs typeface="Calibri"/>
+                <a:sym typeface="Calibri"/>
+                <a:hlinkClick r:id="rId10"/>
+              </a:rPr>
+              <a:t>https://ollama.com/johanteekens/Llama-4-Scout-17B-16E-Instruct</a:t>
+            </a:r>
+            <a:endParaRPr sz="1100">
+              <a:latin typeface="Calibri"/>
+              <a:ea typeface="Calibri"/>
+              <a:cs typeface="Calibri"/>
+              <a:sym typeface="Calibri"/>
+            </a:endParaRPr>
+          </a:p>
+        </p:txBody>
+      </p:sp>
+      <p:pic>
+        <p:nvPicPr>
+          <p:cNvPr id="88" name="Google Shape;88;p17"/>
+          <p:cNvPicPr preferRelativeResize="0"/>
+          <p:nvPr/>
+        </p:nvPicPr>
+        <p:blipFill>
+          <a:blip r:embed="rId11" cstate="email">
+            <a:alphaModFix/>
+            <a:extLst>
+              <a:ext uri="{28A0092B-C50C-407E-A947-70E740481C1C}">
+                <a14:useLocalDpi xmlns:a14="http://schemas.microsoft.com/office/drawing/2010/main"/>
+              </a:ext>
+            </a:extLst>
+          </a:blip>
+          <a:stretch>
+            <a:fillRect/>
+          </a:stretch>
+        </p:blipFill>
+        <p:spPr>
+          <a:xfrm>
+            <a:off x="4218548" y="3986825"/>
+            <a:ext cx="448775" cy="634725"/>
+          </a:xfrm>
+          <a:prstGeom prst="rect">
+            <a:avLst/>
+          </a:prstGeom>
+          <a:noFill/>
+          <a:ln>
+            <a:noFill/>
+          </a:ln>
+        </p:spPr>
+      </p:pic>
     </p:spTree>
   </p:cSld>
   <p:clrMapOvr>
@@ -28375,7 +29351,7 @@
   <p:cSld>
     <p:spTree>
       <p:nvGrpSpPr>
-        <p:cNvPr id="1" name="Shape 89"/>
+        <p:cNvPr id="1" name="Shape 92"/>
         <p:cNvGrpSpPr/>
         <p:nvPr/>
       </p:nvGrpSpPr>
@@ -28389,7 +29365,7 @@
       </p:grpSpPr>
       <p:sp>
         <p:nvSpPr>
-          <p:cNvPr id="90" name="Google Shape;90;p18"/>
+          <p:cNvPr id="93" name="Google Shape;93;p18"/>
           <p:cNvSpPr txBox="1"/>
           <p:nvPr/>
         </p:nvSpPr>
@@ -28455,7 +29431,7 @@
       </p:sp>
       <p:sp>
         <p:nvSpPr>
-          <p:cNvPr id="91" name="Google Shape;91;p18"/>
+          <p:cNvPr id="94" name="Google Shape;94;p18"/>
           <p:cNvSpPr txBox="1"/>
           <p:nvPr/>
         </p:nvSpPr>
@@ -28761,7 +29737,7 @@
       </p:sp>
       <p:sp>
         <p:nvSpPr>
-          <p:cNvPr id="92" name="Google Shape;92;p18"/>
+          <p:cNvPr id="95" name="Google Shape;95;p18"/>
           <p:cNvSpPr txBox="1"/>
           <p:nvPr/>
         </p:nvSpPr>
@@ -29003,7 +29979,7 @@
       </p:sp>
       <p:pic>
         <p:nvPicPr>
-          <p:cNvPr id="93" name="Google Shape;93;p18"/>
+          <p:cNvPr id="96" name="Google Shape;96;p18"/>
           <p:cNvPicPr preferRelativeResize="0"/>
           <p:nvPr/>
         </p:nvPicPr>
@@ -29041,7 +30017,7 @@
       </p:pic>
       <p:pic>
         <p:nvPicPr>
-          <p:cNvPr id="94" name="Google Shape;94;p18"/>
+          <p:cNvPr id="97" name="Google Shape;97;p18"/>
           <p:cNvPicPr preferRelativeResize="0"/>
           <p:nvPr/>
         </p:nvPicPr>
@@ -29079,7 +30055,7 @@
       </p:pic>
       <p:sp>
         <p:nvSpPr>
-          <p:cNvPr id="95" name="Google Shape;95;p18"/>
+          <p:cNvPr id="98" name="Google Shape;98;p18"/>
           <p:cNvSpPr txBox="1"/>
           <p:nvPr/>
         </p:nvSpPr>
@@ -29159,7 +30135,7 @@
   <p:cSld>
     <p:spTree>
       <p:nvGrpSpPr>
-        <p:cNvPr id="1" name="Shape 99"/>
+        <p:cNvPr id="1" name="Shape 102"/>
         <p:cNvGrpSpPr/>
         <p:nvPr/>
       </p:nvGrpSpPr>
@@ -29173,7 +30149,7 @@
       </p:grpSpPr>
       <p:sp>
         <p:nvSpPr>
-          <p:cNvPr id="100" name="Google Shape;100;p19"/>
+          <p:cNvPr id="103" name="Google Shape;103;p19"/>
           <p:cNvSpPr txBox="1"/>
           <p:nvPr/>
         </p:nvSpPr>
@@ -29239,7 +30215,7 @@
       </p:sp>
       <p:sp>
         <p:nvSpPr>
-          <p:cNvPr id="101" name="Google Shape;101;p19"/>
+          <p:cNvPr id="104" name="Google Shape;104;p19"/>
           <p:cNvSpPr txBox="1"/>
           <p:nvPr/>
         </p:nvSpPr>
@@ -29832,7 +30808,7 @@
       </p:sp>
       <p:pic>
         <p:nvPicPr>
-          <p:cNvPr id="102" name="Google Shape;102;p19"/>
+          <p:cNvPr id="105" name="Google Shape;105;p19"/>
           <p:cNvPicPr preferRelativeResize="0"/>
           <p:nvPr/>
         </p:nvPicPr>
@@ -29881,7 +30857,7 @@
   <p:cSld>
     <p:spTree>
       <p:nvGrpSpPr>
-        <p:cNvPr id="1" name="Shape 106"/>
+        <p:cNvPr id="1" name="Shape 109"/>
         <p:cNvGrpSpPr/>
         <p:nvPr/>
       </p:nvGrpSpPr>
@@ -29895,7 +30871,7 @@
       </p:grpSpPr>
       <p:sp>
         <p:nvSpPr>
-          <p:cNvPr id="107" name="Google Shape;107;p20"/>
+          <p:cNvPr id="110" name="Google Shape;110;p20"/>
           <p:cNvSpPr txBox="1"/>
           <p:nvPr/>
         </p:nvSpPr>
@@ -29961,7 +30937,7 @@
       </p:sp>
       <p:sp>
         <p:nvSpPr>
-          <p:cNvPr id="108" name="Google Shape;108;p20"/>
+          <p:cNvPr id="111" name="Google Shape;111;p20"/>
           <p:cNvSpPr txBox="1"/>
           <p:nvPr/>
         </p:nvSpPr>
@@ -30382,7 +31358,7 @@
       </p:sp>
       <p:pic>
         <p:nvPicPr>
-          <p:cNvPr id="109" name="Google Shape;109;p20"/>
+          <p:cNvPr id="112" name="Google Shape;112;p20"/>
           <p:cNvPicPr preferRelativeResize="0"/>
           <p:nvPr/>
         </p:nvPicPr>
@@ -30414,7 +31390,7 @@
       </p:pic>
       <p:pic>
         <p:nvPicPr>
-          <p:cNvPr id="110" name="Google Shape;110;p20"/>
+          <p:cNvPr id="113" name="Google Shape;113;p20"/>
           <p:cNvPicPr preferRelativeResize="0"/>
           <p:nvPr/>
         </p:nvPicPr>
@@ -30446,7 +31422,7 @@
       </p:pic>
       <p:pic>
         <p:nvPicPr>
-          <p:cNvPr id="111" name="Google Shape;111;p20"/>
+          <p:cNvPr id="114" name="Google Shape;114;p20"/>
           <p:cNvPicPr preferRelativeResize="0"/>
           <p:nvPr/>
         </p:nvPicPr>
@@ -30496,7 +31472,7 @@
   <p:cSld>
     <p:spTree>
       <p:nvGrpSpPr>
-        <p:cNvPr id="1" name="Shape 115"/>
+        <p:cNvPr id="1" name="Shape 118"/>
         <p:cNvGrpSpPr/>
         <p:nvPr/>
       </p:nvGrpSpPr>
@@ -30510,7 +31486,7 @@
       </p:grpSpPr>
       <p:sp>
         <p:nvSpPr>
-          <p:cNvPr id="116" name="Google Shape;116;p21"/>
+          <p:cNvPr id="119" name="Google Shape;119;p21"/>
           <p:cNvSpPr txBox="1"/>
           <p:nvPr/>
         </p:nvSpPr>
@@ -30576,7 +31552,7 @@
       </p:sp>
       <p:sp>
         <p:nvSpPr>
-          <p:cNvPr id="117" name="Google Shape;117;p21"/>
+          <p:cNvPr id="120" name="Google Shape;120;p21"/>
           <p:cNvSpPr txBox="1"/>
           <p:nvPr/>
         </p:nvSpPr>
@@ -30926,7 +31902,7 @@
       </p:sp>
       <p:pic>
         <p:nvPicPr>
-          <p:cNvPr id="118" name="Google Shape;118;p21"/>
+          <p:cNvPr id="121" name="Google Shape;121;p21"/>
           <p:cNvPicPr preferRelativeResize="0"/>
           <p:nvPr/>
         </p:nvPicPr>
@@ -30964,7 +31940,7 @@
       </p:pic>
       <p:pic>
         <p:nvPicPr>
-          <p:cNvPr id="119" name="Google Shape;119;p21"/>
+          <p:cNvPr id="122" name="Google Shape;122;p21"/>
           <p:cNvPicPr preferRelativeResize="0"/>
           <p:nvPr/>
         </p:nvPicPr>
@@ -31002,7 +31978,7 @@
       </p:pic>
       <p:pic>
         <p:nvPicPr>
-          <p:cNvPr id="120" name="Google Shape;120;p21"/>
+          <p:cNvPr id="123" name="Google Shape;123;p21"/>
           <p:cNvPicPr preferRelativeResize="0"/>
           <p:nvPr/>
         </p:nvPicPr>
@@ -31051,7 +32027,7 @@
   <p:cSld>
     <p:spTree>
       <p:nvGrpSpPr>
-        <p:cNvPr id="1" name="Shape 124"/>
+        <p:cNvPr id="1" name="Shape 127"/>
         <p:cNvGrpSpPr/>
         <p:nvPr/>
       </p:nvGrpSpPr>
@@ -31065,7 +32041,7 @@
       </p:grpSpPr>
       <p:sp>
         <p:nvSpPr>
-          <p:cNvPr id="125" name="Google Shape;125;p22"/>
+          <p:cNvPr id="128" name="Google Shape;128;p22"/>
           <p:cNvSpPr txBox="1"/>
           <p:nvPr/>
         </p:nvSpPr>
@@ -31131,7 +32107,7 @@
       </p:sp>
       <p:sp>
         <p:nvSpPr>
-          <p:cNvPr id="126" name="Google Shape;126;p22"/>
+          <p:cNvPr id="129" name="Google Shape;129;p22"/>
           <p:cNvSpPr txBox="1"/>
           <p:nvPr/>
         </p:nvSpPr>
@@ -31402,7 +32378,7 @@
       </p:sp>
       <p:sp>
         <p:nvSpPr>
-          <p:cNvPr id="127" name="Google Shape;127;p22"/>
+          <p:cNvPr id="130" name="Google Shape;130;p22"/>
           <p:cNvSpPr txBox="1"/>
           <p:nvPr/>
         </p:nvSpPr>
@@ -31569,7 +32545,7 @@
       </p:sp>
       <p:sp>
         <p:nvSpPr>
-          <p:cNvPr id="128" name="Google Shape;128;p22"/>
+          <p:cNvPr id="131" name="Google Shape;131;p22"/>
           <p:cNvSpPr txBox="1"/>
           <p:nvPr/>
         </p:nvSpPr>
@@ -31816,7 +32792,7 @@
       </p:sp>
       <p:sp>
         <p:nvSpPr>
-          <p:cNvPr id="129" name="Google Shape;129;p22"/>
+          <p:cNvPr id="132" name="Google Shape;132;p22"/>
           <p:cNvSpPr txBox="1"/>
           <p:nvPr/>
         </p:nvSpPr>
@@ -31993,7 +32969,7 @@
       </p:sp>
       <p:pic>
         <p:nvPicPr>
-          <p:cNvPr id="130" name="Google Shape;130;p22"/>
+          <p:cNvPr id="133" name="Google Shape;133;p22"/>
           <p:cNvPicPr preferRelativeResize="0"/>
           <p:nvPr/>
         </p:nvPicPr>
@@ -32031,7 +33007,7 @@
       </p:pic>
       <p:pic>
         <p:nvPicPr>
-          <p:cNvPr id="131" name="Google Shape;131;p22"/>
+          <p:cNvPr id="134" name="Google Shape;134;p22"/>
           <p:cNvPicPr preferRelativeResize="0"/>
           <p:nvPr/>
         </p:nvPicPr>
@@ -32069,7 +33045,7 @@
       </p:pic>
       <p:pic>
         <p:nvPicPr>
-          <p:cNvPr id="132" name="Google Shape;132;p22"/>
+          <p:cNvPr id="135" name="Google Shape;135;p22"/>
           <p:cNvPicPr preferRelativeResize="0"/>
           <p:nvPr/>
         </p:nvPicPr>
@@ -32107,7 +33083,7 @@
       </p:pic>
       <p:pic>
         <p:nvPicPr>
-          <p:cNvPr id="133" name="Google Shape;133;p22"/>
+          <p:cNvPr id="136" name="Google Shape;136;p22"/>
           <p:cNvPicPr preferRelativeResize="0"/>
           <p:nvPr/>
         </p:nvPicPr>
@@ -32150,7 +33126,7 @@
   <p:cSld>
     <p:spTree>
       <p:nvGrpSpPr>
-        <p:cNvPr id="1" name="Shape 137"/>
+        <p:cNvPr id="1" name="Shape 140"/>
         <p:cNvGrpSpPr/>
         <p:nvPr/>
       </p:nvGrpSpPr>
@@ -32164,7 +33140,7 @@
       </p:grpSpPr>
       <p:sp>
         <p:nvSpPr>
-          <p:cNvPr id="138" name="Google Shape;138;p23"/>
+          <p:cNvPr id="141" name="Google Shape;141;p23"/>
           <p:cNvSpPr txBox="1"/>
           <p:nvPr/>
         </p:nvSpPr>
@@ -32230,7 +33206,7 @@
       </p:sp>
       <p:sp>
         <p:nvSpPr>
-          <p:cNvPr id="139" name="Google Shape;139;p23"/>
+          <p:cNvPr id="142" name="Google Shape;142;p23"/>
           <p:cNvSpPr txBox="1"/>
           <p:nvPr/>
         </p:nvSpPr>
@@ -32340,7 +33316,7 @@
                 <a:cs typeface="Calibri"/>
                 <a:sym typeface="Calibri"/>
               </a:rPr>
-              <a:t>Time to generate AI image decreased from 30 seconds down to few milliseconds. Today AI can generate life-like video, full voice clones - generating convincing, deceptive deepfakes on the fly. The old adage "seeing is believing" simply no longer applies.</a:t>
+              <a:t>Time to generate AI image decreased from 30 seconds down to few milliseconds. Today AI can generate life-like video, full voice clones - generating convincing, deceptive deepfakes on the fly. The old age "seeing is believing" simply no longer applies.</a:t>
             </a:r>
             <a:endParaRPr sz="1200" b="0" i="0" u="none" strike="noStrike" cap="none">
               <a:solidFill>
@@ -32501,7 +33477,7 @@
       </p:sp>
       <p:sp>
         <p:nvSpPr>
-          <p:cNvPr id="140" name="Google Shape;140;p23"/>
+          <p:cNvPr id="143" name="Google Shape;143;p23"/>
           <p:cNvSpPr txBox="1"/>
           <p:nvPr/>
         </p:nvSpPr>
@@ -32680,7 +33656,7 @@
       </p:sp>
       <p:pic>
         <p:nvPicPr>
-          <p:cNvPr id="141" name="Google Shape;141;p23"/>
+          <p:cNvPr id="144" name="Google Shape;144;p23"/>
           <p:cNvPicPr preferRelativeResize="0"/>
           <p:nvPr/>
         </p:nvPicPr>
@@ -32718,7 +33694,7 @@
       </p:pic>
       <p:pic>
         <p:nvPicPr>
-          <p:cNvPr id="142" name="Google Shape;142;p23"/>
+          <p:cNvPr id="145" name="Google Shape;145;p23"/>
           <p:cNvPicPr preferRelativeResize="0"/>
           <p:nvPr/>
         </p:nvPicPr>
@@ -32756,7 +33732,7 @@
       </p:pic>
       <p:pic>
         <p:nvPicPr>
-          <p:cNvPr id="143" name="Google Shape;143;p23"/>
+          <p:cNvPr id="146" name="Google Shape;146;p23"/>
           <p:cNvPicPr preferRelativeResize="0"/>
           <p:nvPr/>
         </p:nvPicPr>
@@ -32789,7 +33765,7 @@
       </p:pic>
       <p:pic>
         <p:nvPicPr>
-          <p:cNvPr id="144" name="Google Shape;144;p23"/>
+          <p:cNvPr id="147" name="Google Shape;147;p23"/>
           <p:cNvPicPr preferRelativeResize="0"/>
           <p:nvPr/>
         </p:nvPicPr>
